--- a/Project Presentation/ProjectPresentation.pptx
+++ b/Project Presentation/ProjectPresentation.pptx
@@ -13814,8 +13814,8 @@
           </a:prstGeom>
         </p:spPr>
       </p:pic>
-      <mc:AlternateContent xmlns:mc="http://schemas.openxmlformats.org/markup-compatibility/2006">
-        <mc:Choice xmlns:a14="http://schemas.microsoft.com/office/drawing/2010/main" Requires="a14">
+      <mc:AlternateContent xmlns:mc="http://schemas.openxmlformats.org/markup-compatibility/2006" xmlns:a14="http://schemas.microsoft.com/office/drawing/2010/main">
+        <mc:Choice Requires="a14">
           <p:sp>
             <p:nvSpPr>
               <p:cNvPr id="18" name="CasellaDiTesto 17">
@@ -13904,7 +13904,7 @@
             </p:txBody>
           </p:sp>
         </mc:Choice>
-        <mc:Fallback>
+        <mc:Fallback xmlns="">
           <p:sp>
             <p:nvSpPr>
               <p:cNvPr id="18" name="CasellaDiTesto 17">
@@ -13949,8 +13949,8 @@
           </p:sp>
         </mc:Fallback>
       </mc:AlternateContent>
-      <mc:AlternateContent xmlns:mc="http://schemas.openxmlformats.org/markup-compatibility/2006">
-        <mc:Choice xmlns:a14="http://schemas.microsoft.com/office/drawing/2010/main" Requires="a14">
+      <mc:AlternateContent xmlns:mc="http://schemas.openxmlformats.org/markup-compatibility/2006" xmlns:a14="http://schemas.microsoft.com/office/drawing/2010/main">
+        <mc:Choice Requires="a14">
           <p:sp>
             <p:nvSpPr>
               <p:cNvPr id="19" name="CasellaDiTesto 18">
@@ -14039,7 +14039,7 @@
             </p:txBody>
           </p:sp>
         </mc:Choice>
-        <mc:Fallback>
+        <mc:Fallback xmlns="">
           <p:sp>
             <p:nvSpPr>
               <p:cNvPr id="19" name="CasellaDiTesto 18">
@@ -14156,8 +14156,8 @@
           </a:prstGeom>
         </p:spPr>
       </p:pic>
-      <mc:AlternateContent xmlns:mc="http://schemas.openxmlformats.org/markup-compatibility/2006">
-        <mc:Choice xmlns:a14="http://schemas.microsoft.com/office/drawing/2010/main" Requires="a14">
+      <mc:AlternateContent xmlns:mc="http://schemas.openxmlformats.org/markup-compatibility/2006" xmlns:a14="http://schemas.microsoft.com/office/drawing/2010/main">
+        <mc:Choice Requires="a14">
           <p:sp>
             <p:nvSpPr>
               <p:cNvPr id="32" name="CasellaDiTesto 31">
@@ -14246,7 +14246,7 @@
             </p:txBody>
           </p:sp>
         </mc:Choice>
-        <mc:Fallback>
+        <mc:Fallback xmlns="">
           <p:sp>
             <p:nvSpPr>
               <p:cNvPr id="32" name="CasellaDiTesto 31">
@@ -14291,8 +14291,8 @@
           </p:sp>
         </mc:Fallback>
       </mc:AlternateContent>
-      <mc:AlternateContent xmlns:mc="http://schemas.openxmlformats.org/markup-compatibility/2006">
-        <mc:Choice xmlns:a14="http://schemas.microsoft.com/office/drawing/2010/main" Requires="a14">
+      <mc:AlternateContent xmlns:mc="http://schemas.openxmlformats.org/markup-compatibility/2006" xmlns:a14="http://schemas.microsoft.com/office/drawing/2010/main">
+        <mc:Choice Requires="a14">
           <p:sp>
             <p:nvSpPr>
               <p:cNvPr id="33" name="CasellaDiTesto 32">
@@ -14381,7 +14381,7 @@
             </p:txBody>
           </p:sp>
         </mc:Choice>
-        <mc:Fallback>
+        <mc:Fallback xmlns="">
           <p:sp>
             <p:nvSpPr>
               <p:cNvPr id="33" name="CasellaDiTesto 32">
@@ -15094,8 +15094,8 @@
           </a:fontRef>
         </p:style>
       </p:cxnSp>
-      <mc:AlternateContent xmlns:mc="http://schemas.openxmlformats.org/markup-compatibility/2006">
-        <mc:Choice xmlns:a14="http://schemas.microsoft.com/office/drawing/2010/main" Requires="a14">
+      <mc:AlternateContent xmlns:mc="http://schemas.openxmlformats.org/markup-compatibility/2006" xmlns:a14="http://schemas.microsoft.com/office/drawing/2010/main">
+        <mc:Choice Requires="a14">
           <p:sp>
             <p:nvSpPr>
               <p:cNvPr id="6" name="CasellaDiTesto 5">
@@ -15285,7 +15285,7 @@
             </p:txBody>
           </p:sp>
         </mc:Choice>
-        <mc:Fallback>
+        <mc:Fallback xmlns="">
           <p:sp>
             <p:nvSpPr>
               <p:cNvPr id="6" name="CasellaDiTesto 5">
@@ -16614,12 +16614,16 @@
                   <a:t>Arrival</a:t>
                 </a:r>
                 <a:r>
-                  <a:rPr lang="it-IT" dirty="0">
+                  <a:rPr lang="it-IT">
                     <a:latin typeface="Times New Roman" panose="02020603050405020304" pitchFamily="18" charset="0"/>
                     <a:cs typeface="Times New Roman" panose="02020603050405020304" pitchFamily="18" charset="0"/>
                   </a:rPr>
-                  <a:t> Rate</a:t>
+                  <a:t> Time</a:t>
                 </a:r>
+                <a:endParaRPr lang="it-IT" dirty="0">
+                  <a:latin typeface="Times New Roman" panose="02020603050405020304" pitchFamily="18" charset="0"/>
+                  <a:cs typeface="Times New Roman" panose="02020603050405020304" pitchFamily="18" charset="0"/>
+                </a:endParaRPr>
               </a:p>
               <a:p>
                 <a:pPr marL="285750" indent="-285750">
@@ -17382,8 +17386,8 @@
           </a:fontRef>
         </p:style>
       </p:cxnSp>
-      <mc:AlternateContent xmlns:mc="http://schemas.openxmlformats.org/markup-compatibility/2006">
-        <mc:Choice xmlns:a14="http://schemas.microsoft.com/office/drawing/2010/main" Requires="a14">
+      <mc:AlternateContent xmlns:mc="http://schemas.openxmlformats.org/markup-compatibility/2006" xmlns:a14="http://schemas.microsoft.com/office/drawing/2010/main">
+        <mc:Choice Requires="a14">
           <p:sp>
             <p:nvSpPr>
               <p:cNvPr id="6" name="CasellaDiTesto 5">
@@ -17599,7 +17603,7 @@
             </p:txBody>
           </p:sp>
         </mc:Choice>
-        <mc:Fallback>
+        <mc:Fallback xmlns="">
           <p:sp>
             <p:nvSpPr>
               <p:cNvPr id="6" name="CasellaDiTesto 5">
@@ -19408,8 +19412,8 @@
           </a:p>
         </p:txBody>
       </p:sp>
-      <mc:AlternateContent xmlns:mc="http://schemas.openxmlformats.org/markup-compatibility/2006">
-        <mc:Choice xmlns:a14="http://schemas.microsoft.com/office/drawing/2010/main" Requires="a14">
+      <mc:AlternateContent xmlns:mc="http://schemas.openxmlformats.org/markup-compatibility/2006" xmlns:a14="http://schemas.microsoft.com/office/drawing/2010/main">
+        <mc:Choice Requires="a14">
           <p:sp>
             <p:nvSpPr>
               <p:cNvPr id="8" name="CasellaDiTesto 7">
@@ -19489,7 +19493,7 @@
             </p:txBody>
           </p:sp>
         </mc:Choice>
-        <mc:Fallback>
+        <mc:Fallback xmlns="">
           <p:sp>
             <p:nvSpPr>
               <p:cNvPr id="8" name="CasellaDiTesto 7">
@@ -19853,8 +19857,8 @@
           </a:fontRef>
         </p:style>
       </p:cxnSp>
-      <mc:AlternateContent xmlns:mc="http://schemas.openxmlformats.org/markup-compatibility/2006">
-        <mc:Choice xmlns:a14="http://schemas.microsoft.com/office/drawing/2010/main" Requires="a14">
+      <mc:AlternateContent xmlns:mc="http://schemas.openxmlformats.org/markup-compatibility/2006" xmlns:a14="http://schemas.microsoft.com/office/drawing/2010/main">
+        <mc:Choice Requires="a14">
           <p:sp>
             <p:nvSpPr>
               <p:cNvPr id="6" name="Titolo 1">
@@ -20054,7 +20058,7 @@
             </p:txBody>
           </p:sp>
         </mc:Choice>
-        <mc:Fallback>
+        <mc:Fallback xmlns="">
           <p:sp>
             <p:nvSpPr>
               <p:cNvPr id="6" name="Titolo 1">

--- a/Project Presentation/ProjectPresentation.pptx
+++ b/Project Presentation/ProjectPresentation.pptx
@@ -5,23 +5,25 @@
     <p:sldMasterId id="2147483690" r:id="rId1"/>
   </p:sldMasterIdLst>
   <p:notesMasterIdLst>
-    <p:notesMasterId r:id="rId16"/>
+    <p:notesMasterId r:id="rId18"/>
   </p:notesMasterIdLst>
   <p:sldIdLst>
     <p:sldId id="259" r:id="rId2"/>
     <p:sldId id="262" r:id="rId3"/>
     <p:sldId id="281" r:id="rId4"/>
     <p:sldId id="282" r:id="rId5"/>
-    <p:sldId id="273" r:id="rId6"/>
-    <p:sldId id="274" r:id="rId7"/>
-    <p:sldId id="275" r:id="rId8"/>
-    <p:sldId id="278" r:id="rId9"/>
-    <p:sldId id="279" r:id="rId10"/>
-    <p:sldId id="271" r:id="rId11"/>
-    <p:sldId id="280" r:id="rId12"/>
-    <p:sldId id="272" r:id="rId13"/>
-    <p:sldId id="276" r:id="rId14"/>
-    <p:sldId id="277" r:id="rId15"/>
+    <p:sldId id="274" r:id="rId6"/>
+    <p:sldId id="273" r:id="rId7"/>
+    <p:sldId id="283" r:id="rId8"/>
+    <p:sldId id="284" r:id="rId9"/>
+    <p:sldId id="275" r:id="rId10"/>
+    <p:sldId id="278" r:id="rId11"/>
+    <p:sldId id="279" r:id="rId12"/>
+    <p:sldId id="271" r:id="rId13"/>
+    <p:sldId id="280" r:id="rId14"/>
+    <p:sldId id="272" r:id="rId15"/>
+    <p:sldId id="276" r:id="rId16"/>
+    <p:sldId id="277" r:id="rId17"/>
   </p:sldIdLst>
   <p:sldSz cx="12192000" cy="6858000"/>
   <p:notesSz cx="6858000" cy="9144000"/>
@@ -13337,6 +13339,524 @@
 </file>
 
 <file path=ppt/slides/slide10.xml><?xml version="1.0" encoding="utf-8"?>
+<p:sld xmlns:a="http://schemas.openxmlformats.org/drawingml/2006/main" xmlns:r="http://schemas.openxmlformats.org/officeDocument/2006/relationships" xmlns:p="http://schemas.openxmlformats.org/presentationml/2006/main">
+  <p:cSld>
+    <p:spTree>
+      <p:nvGrpSpPr>
+        <p:cNvPr id="1" name=""/>
+        <p:cNvGrpSpPr/>
+        <p:nvPr/>
+      </p:nvGrpSpPr>
+      <p:grpSpPr>
+        <a:xfrm>
+          <a:off x="0" y="0"/>
+          <a:ext cx="0" cy="0"/>
+          <a:chOff x="0" y="0"/>
+          <a:chExt cx="0" cy="0"/>
+        </a:xfrm>
+      </p:grpSpPr>
+      <p:pic>
+        <p:nvPicPr>
+          <p:cNvPr id="12" name="Immagine 11">
+            <a:extLst>
+              <a:ext uri="{FF2B5EF4-FFF2-40B4-BE49-F238E27FC236}">
+                <a16:creationId xmlns:a16="http://schemas.microsoft.com/office/drawing/2014/main" id="{F9422C6D-CCF1-44F5-8E58-A4236B8AE3E2}"/>
+              </a:ext>
+            </a:extLst>
+          </p:cNvPr>
+          <p:cNvPicPr>
+            <a:picLocks noChangeAspect="1"/>
+          </p:cNvPicPr>
+          <p:nvPr/>
+        </p:nvPicPr>
+        <p:blipFill>
+          <a:blip r:embed="rId2">
+            <a:extLst>
+              <a:ext uri="{28A0092B-C50C-407E-A947-70E740481C1C}">
+                <a14:useLocalDpi xmlns:a14="http://schemas.microsoft.com/office/drawing/2010/main" val="0"/>
+              </a:ext>
+            </a:extLst>
+          </a:blip>
+          <a:stretch>
+            <a:fillRect/>
+          </a:stretch>
+        </p:blipFill>
+        <p:spPr>
+          <a:xfrm>
+            <a:off x="11175534" y="83554"/>
+            <a:ext cx="953264" cy="973123"/>
+          </a:xfrm>
+          <a:prstGeom prst="rect">
+            <a:avLst/>
+          </a:prstGeom>
+        </p:spPr>
+      </p:pic>
+      <p:cxnSp>
+        <p:nvCxnSpPr>
+          <p:cNvPr id="5" name="Connettore diritto 4">
+            <a:extLst>
+              <a:ext uri="{FF2B5EF4-FFF2-40B4-BE49-F238E27FC236}">
+                <a16:creationId xmlns:a16="http://schemas.microsoft.com/office/drawing/2014/main" id="{D134BEB7-9277-42CC-94F3-EC30905EE1CD}"/>
+              </a:ext>
+            </a:extLst>
+          </p:cNvPr>
+          <p:cNvCxnSpPr>
+            <a:cxnSpLocks/>
+          </p:cNvCxnSpPr>
+          <p:nvPr/>
+        </p:nvCxnSpPr>
+        <p:spPr>
+          <a:xfrm>
+            <a:off x="494950" y="939231"/>
+            <a:ext cx="9513116" cy="0"/>
+          </a:xfrm>
+          <a:prstGeom prst="line">
+            <a:avLst/>
+          </a:prstGeom>
+        </p:spPr>
+        <p:style>
+          <a:lnRef idx="1">
+            <a:schemeClr val="accent1"/>
+          </a:lnRef>
+          <a:fillRef idx="0">
+            <a:schemeClr val="accent1"/>
+          </a:fillRef>
+          <a:effectRef idx="0">
+            <a:schemeClr val="accent1"/>
+          </a:effectRef>
+          <a:fontRef idx="minor">
+            <a:schemeClr val="tx1"/>
+          </a:fontRef>
+        </p:style>
+      </p:cxnSp>
+      <p:sp>
+        <p:nvSpPr>
+          <p:cNvPr id="6" name="Titolo 1">
+            <a:extLst>
+              <a:ext uri="{FF2B5EF4-FFF2-40B4-BE49-F238E27FC236}">
+                <a16:creationId xmlns:a16="http://schemas.microsoft.com/office/drawing/2014/main" id="{C337F802-737A-4D0C-A1AE-A6AA57B485BD}"/>
+              </a:ext>
+            </a:extLst>
+          </p:cNvPr>
+          <p:cNvSpPr txBox="1">
+            <a:spLocks/>
+          </p:cNvSpPr>
+          <p:nvPr/>
+        </p:nvSpPr>
+        <p:spPr>
+          <a:xfrm>
+            <a:off x="147506" y="188350"/>
+            <a:ext cx="10444294" cy="763530"/>
+          </a:xfrm>
+          <a:prstGeom prst="rect">
+            <a:avLst/>
+          </a:prstGeom>
+        </p:spPr>
+        <p:txBody>
+          <a:bodyPr>
+            <a:normAutofit fontScale="97500"/>
+          </a:bodyPr>
+          <a:lstStyle>
+            <a:lvl1pPr algn="l" defTabSz="914400" rtl="0" eaLnBrk="1" latinLnBrk="0" hangingPunct="1">
+              <a:lnSpc>
+                <a:spcPct val="85000"/>
+              </a:lnSpc>
+              <a:spcBef>
+                <a:spcPct val="0"/>
+              </a:spcBef>
+              <a:buNone/>
+              <a:defRPr sz="4800" kern="1200" spc="-50" baseline="0">
+                <a:solidFill>
+                  <a:schemeClr val="tx1">
+                    <a:lumMod val="75000"/>
+                    <a:lumOff val="25000"/>
+                  </a:schemeClr>
+                </a:solidFill>
+                <a:latin typeface="+mj-lt"/>
+                <a:ea typeface="+mj-ea"/>
+                <a:cs typeface="+mj-cs"/>
+              </a:defRPr>
+            </a:lvl1pPr>
+          </a:lstStyle>
+          <a:p>
+            <a:pPr marL="0" marR="0" lvl="0" indent="0" algn="ctr" defTabSz="914400" rtl="0" eaLnBrk="1" fontAlgn="auto" latinLnBrk="0" hangingPunct="1">
+              <a:lnSpc>
+                <a:spcPct val="85000"/>
+              </a:lnSpc>
+              <a:spcBef>
+                <a:spcPct val="0"/>
+              </a:spcBef>
+              <a:spcAft>
+                <a:spcPts val="0"/>
+              </a:spcAft>
+              <a:buClrTx/>
+              <a:buSzTx/>
+              <a:buFontTx/>
+              <a:buNone/>
+              <a:tabLst/>
+              <a:defRPr/>
+            </a:pPr>
+            <a:r>
+              <a:rPr kumimoji="0" lang="it-IT" sz="4800" b="0" i="0" u="none" strike="noStrike" kern="1200" cap="none" spc="-50" normalizeH="0" baseline="0" noProof="0" dirty="0" err="1">
+                <a:ln>
+                  <a:noFill/>
+                </a:ln>
+                <a:solidFill>
+                  <a:prstClr val="black">
+                    <a:lumMod val="75000"/>
+                    <a:lumOff val="25000"/>
+                  </a:prstClr>
+                </a:solidFill>
+                <a:effectLst/>
+                <a:uLnTx/>
+                <a:uFillTx/>
+                <a:latin typeface="Century Gothic" panose="020B0502020202020204"/>
+                <a:ea typeface="+mj-ea"/>
+                <a:cs typeface="+mj-cs"/>
+              </a:rPr>
+              <a:t>Conclusions</a:t>
+            </a:r>
+            <a:endParaRPr kumimoji="0" lang="it-IT" sz="4800" b="0" i="0" u="none" strike="noStrike" kern="1200" cap="none" spc="-50" normalizeH="0" baseline="0" noProof="0" dirty="0">
+              <a:ln>
+                <a:noFill/>
+              </a:ln>
+              <a:solidFill>
+                <a:prstClr val="black">
+                  <a:lumMod val="75000"/>
+                  <a:lumOff val="25000"/>
+                </a:prstClr>
+              </a:solidFill>
+              <a:effectLst/>
+              <a:uLnTx/>
+              <a:uFillTx/>
+              <a:latin typeface="Century Gothic" panose="020B0502020202020204"/>
+              <a:ea typeface="+mj-ea"/>
+              <a:cs typeface="+mj-cs"/>
+            </a:endParaRPr>
+          </a:p>
+        </p:txBody>
+      </p:sp>
+      <p:pic>
+        <p:nvPicPr>
+          <p:cNvPr id="7" name="Immagine 6">
+            <a:extLst>
+              <a:ext uri="{FF2B5EF4-FFF2-40B4-BE49-F238E27FC236}">
+                <a16:creationId xmlns:a16="http://schemas.microsoft.com/office/drawing/2014/main" id="{59BFF6A0-7218-40C0-B82F-AFBDFB4FD619}"/>
+              </a:ext>
+            </a:extLst>
+          </p:cNvPr>
+          <p:cNvPicPr>
+            <a:picLocks noChangeAspect="1"/>
+          </p:cNvPicPr>
+          <p:nvPr/>
+        </p:nvPicPr>
+        <p:blipFill>
+          <a:blip r:embed="rId3">
+            <a:extLst>
+              <a:ext uri="{28A0092B-C50C-407E-A947-70E740481C1C}">
+                <a14:useLocalDpi xmlns:a14="http://schemas.microsoft.com/office/drawing/2010/main" val="0"/>
+              </a:ext>
+            </a:extLst>
+          </a:blip>
+          <a:stretch>
+            <a:fillRect/>
+          </a:stretch>
+        </p:blipFill>
+        <p:spPr>
+          <a:xfrm>
+            <a:off x="553673" y="3911220"/>
+            <a:ext cx="5846719" cy="2912568"/>
+          </a:xfrm>
+          <a:prstGeom prst="rect">
+            <a:avLst/>
+          </a:prstGeom>
+        </p:spPr>
+      </p:pic>
+      <p:pic>
+        <p:nvPicPr>
+          <p:cNvPr id="9" name="Immagine 8">
+            <a:extLst>
+              <a:ext uri="{FF2B5EF4-FFF2-40B4-BE49-F238E27FC236}">
+                <a16:creationId xmlns:a16="http://schemas.microsoft.com/office/drawing/2014/main" id="{9AFF916B-A81C-484E-861C-8214C10547B2}"/>
+              </a:ext>
+            </a:extLst>
+          </p:cNvPr>
+          <p:cNvPicPr>
+            <a:picLocks noChangeAspect="1"/>
+          </p:cNvPicPr>
+          <p:nvPr/>
+        </p:nvPicPr>
+        <p:blipFill>
+          <a:blip r:embed="rId4">
+            <a:extLst>
+              <a:ext uri="{28A0092B-C50C-407E-A947-70E740481C1C}">
+                <a14:useLocalDpi xmlns:a14="http://schemas.microsoft.com/office/drawing/2010/main" val="0"/>
+              </a:ext>
+            </a:extLst>
+          </a:blip>
+          <a:stretch>
+            <a:fillRect/>
+          </a:stretch>
+        </p:blipFill>
+        <p:spPr>
+          <a:xfrm>
+            <a:off x="553673" y="998653"/>
+            <a:ext cx="5519956" cy="2912567"/>
+          </a:xfrm>
+          <a:prstGeom prst="rect">
+            <a:avLst/>
+          </a:prstGeom>
+        </p:spPr>
+      </p:pic>
+      <p:sp>
+        <p:nvSpPr>
+          <p:cNvPr id="10" name="CasellaDiTesto 9">
+            <a:extLst>
+              <a:ext uri="{FF2B5EF4-FFF2-40B4-BE49-F238E27FC236}">
+                <a16:creationId xmlns:a16="http://schemas.microsoft.com/office/drawing/2014/main" id="{9676D581-3A9C-4D03-83E1-B9D955F98F9D}"/>
+              </a:ext>
+            </a:extLst>
+          </p:cNvPr>
+          <p:cNvSpPr txBox="1"/>
+          <p:nvPr/>
+        </p:nvSpPr>
+        <p:spPr>
+          <a:xfrm>
+            <a:off x="7022680" y="4255533"/>
+            <a:ext cx="3337421" cy="2223942"/>
+          </a:xfrm>
+          <a:prstGeom prst="rect">
+            <a:avLst/>
+          </a:prstGeom>
+          <a:noFill/>
+        </p:spPr>
+        <p:txBody>
+          <a:bodyPr wrap="square" rtlCol="0">
+            <a:spAutoFit/>
+          </a:bodyPr>
+          <a:lstStyle/>
+          <a:p>
+            <a:pPr>
+              <a:lnSpc>
+                <a:spcPct val="200000"/>
+              </a:lnSpc>
+            </a:pPr>
+            <a:r>
+              <a:rPr lang="it-IT" b="1" dirty="0">
+                <a:latin typeface="Times New Roman" panose="02020603050405020304" pitchFamily="18" charset="0"/>
+                <a:cs typeface="Times New Roman" panose="02020603050405020304" pitchFamily="18" charset="0"/>
+              </a:rPr>
+              <a:t>High Traffic Scenario</a:t>
+            </a:r>
+          </a:p>
+          <a:p>
+            <a:pPr>
+              <a:lnSpc>
+                <a:spcPct val="200000"/>
+              </a:lnSpc>
+            </a:pPr>
+            <a:r>
+              <a:rPr lang="it-IT" dirty="0">
+                <a:latin typeface="Times New Roman" panose="02020603050405020304" pitchFamily="18" charset="0"/>
+                <a:cs typeface="Times New Roman" panose="02020603050405020304" pitchFamily="18" charset="0"/>
+              </a:rPr>
+              <a:t>N = 30;    C = 6;    p = 0.1</a:t>
+            </a:r>
+          </a:p>
+          <a:p>
+            <a:pPr>
+              <a:lnSpc>
+                <a:spcPct val="200000"/>
+              </a:lnSpc>
+            </a:pPr>
+            <a:r>
+              <a:rPr lang="it-IT" b="1" dirty="0">
+                <a:latin typeface="Times New Roman" panose="02020603050405020304" pitchFamily="18" charset="0"/>
+                <a:cs typeface="Times New Roman" panose="02020603050405020304" pitchFamily="18" charset="0"/>
+              </a:rPr>
+              <a:t>Low Traffic Scenario</a:t>
+            </a:r>
+          </a:p>
+          <a:p>
+            <a:pPr>
+              <a:lnSpc>
+                <a:spcPct val="200000"/>
+              </a:lnSpc>
+            </a:pPr>
+            <a:r>
+              <a:rPr lang="it-IT" dirty="0">
+                <a:latin typeface="Times New Roman" panose="02020603050405020304" pitchFamily="18" charset="0"/>
+                <a:cs typeface="Times New Roman" panose="02020603050405020304" pitchFamily="18" charset="0"/>
+              </a:rPr>
+              <a:t>N = 5;    C = 100;    p=0.1 </a:t>
+            </a:r>
+          </a:p>
+        </p:txBody>
+      </p:sp>
+      <p:sp>
+        <p:nvSpPr>
+          <p:cNvPr id="11" name="CasellaDiTesto 10">
+            <a:extLst>
+              <a:ext uri="{FF2B5EF4-FFF2-40B4-BE49-F238E27FC236}">
+                <a16:creationId xmlns:a16="http://schemas.microsoft.com/office/drawing/2014/main" id="{A6F1A41E-73FA-4159-9FDB-73DBC1F193E6}"/>
+              </a:ext>
+            </a:extLst>
+          </p:cNvPr>
+          <p:cNvSpPr txBox="1"/>
+          <p:nvPr/>
+        </p:nvSpPr>
+        <p:spPr>
+          <a:xfrm>
+            <a:off x="7022680" y="1342965"/>
+            <a:ext cx="3282097" cy="2223942"/>
+          </a:xfrm>
+          <a:prstGeom prst="rect">
+            <a:avLst/>
+          </a:prstGeom>
+          <a:noFill/>
+        </p:spPr>
+        <p:txBody>
+          <a:bodyPr wrap="square" rtlCol="0">
+            <a:spAutoFit/>
+          </a:bodyPr>
+          <a:lstStyle/>
+          <a:p>
+            <a:pPr>
+              <a:lnSpc>
+                <a:spcPct val="200000"/>
+              </a:lnSpc>
+            </a:pPr>
+            <a:r>
+              <a:rPr lang="it-IT" b="1" dirty="0">
+                <a:latin typeface="Times New Roman" panose="02020603050405020304" pitchFamily="18" charset="0"/>
+                <a:cs typeface="Times New Roman" panose="02020603050405020304" pitchFamily="18" charset="0"/>
+              </a:rPr>
+              <a:t>High Traffic Scenario</a:t>
+            </a:r>
+          </a:p>
+          <a:p>
+            <a:pPr>
+              <a:lnSpc>
+                <a:spcPct val="200000"/>
+              </a:lnSpc>
+            </a:pPr>
+            <a:r>
+              <a:rPr lang="it-IT" dirty="0">
+                <a:latin typeface="Times New Roman" panose="02020603050405020304" pitchFamily="18" charset="0"/>
+                <a:cs typeface="Times New Roman" panose="02020603050405020304" pitchFamily="18" charset="0"/>
+              </a:rPr>
+              <a:t>N = 30;    C = 6;    1/λ = 125ms</a:t>
+            </a:r>
+          </a:p>
+          <a:p>
+            <a:pPr>
+              <a:lnSpc>
+                <a:spcPct val="200000"/>
+              </a:lnSpc>
+            </a:pPr>
+            <a:r>
+              <a:rPr lang="it-IT" b="1" dirty="0">
+                <a:latin typeface="Times New Roman" panose="02020603050405020304" pitchFamily="18" charset="0"/>
+                <a:cs typeface="Times New Roman" panose="02020603050405020304" pitchFamily="18" charset="0"/>
+              </a:rPr>
+              <a:t>Low Traffic Scenario</a:t>
+            </a:r>
+          </a:p>
+          <a:p>
+            <a:pPr>
+              <a:lnSpc>
+                <a:spcPct val="200000"/>
+              </a:lnSpc>
+            </a:pPr>
+            <a:r>
+              <a:rPr lang="it-IT" dirty="0">
+                <a:latin typeface="Times New Roman" panose="02020603050405020304" pitchFamily="18" charset="0"/>
+                <a:cs typeface="Times New Roman" panose="02020603050405020304" pitchFamily="18" charset="0"/>
+              </a:rPr>
+              <a:t>N = 5;    C = 100;    1/λ = 125ms</a:t>
+            </a:r>
+          </a:p>
+        </p:txBody>
+      </p:sp>
+    </p:spTree>
+    <p:extLst>
+      <p:ext uri="{BB962C8B-B14F-4D97-AF65-F5344CB8AC3E}">
+        <p14:creationId xmlns:p14="http://schemas.microsoft.com/office/powerpoint/2010/main" val="236619781"/>
+      </p:ext>
+    </p:extLst>
+  </p:cSld>
+  <p:clrMapOvr>
+    <a:masterClrMapping/>
+  </p:clrMapOvr>
+</p:sld>
+</file>
+
+<file path=ppt/slides/slide11.xml><?xml version="1.0" encoding="utf-8"?>
+<p:sld xmlns:a="http://schemas.openxmlformats.org/drawingml/2006/main" xmlns:r="http://schemas.openxmlformats.org/officeDocument/2006/relationships" xmlns:p="http://schemas.openxmlformats.org/presentationml/2006/main">
+  <p:cSld>
+    <p:spTree>
+      <p:nvGrpSpPr>
+        <p:cNvPr id="1" name=""/>
+        <p:cNvGrpSpPr/>
+        <p:nvPr/>
+      </p:nvGrpSpPr>
+      <p:grpSpPr>
+        <a:xfrm>
+          <a:off x="0" y="0"/>
+          <a:ext cx="0" cy="0"/>
+          <a:chOff x="0" y="0"/>
+          <a:chExt cx="0" cy="0"/>
+        </a:xfrm>
+      </p:grpSpPr>
+      <p:sp>
+        <p:nvSpPr>
+          <p:cNvPr id="2" name="CasellaDiTesto 1">
+            <a:extLst>
+              <a:ext uri="{FF2B5EF4-FFF2-40B4-BE49-F238E27FC236}">
+                <a16:creationId xmlns:a16="http://schemas.microsoft.com/office/drawing/2014/main" id="{53BC8220-6E48-4275-BFEE-CB108A1604F8}"/>
+              </a:ext>
+            </a:extLst>
+          </p:cNvPr>
+          <p:cNvSpPr txBox="1"/>
+          <p:nvPr/>
+        </p:nvSpPr>
+        <p:spPr>
+          <a:xfrm>
+            <a:off x="1241571" y="1761688"/>
+            <a:ext cx="6182686" cy="2800767"/>
+          </a:xfrm>
+          <a:prstGeom prst="rect">
+            <a:avLst/>
+          </a:prstGeom>
+          <a:noFill/>
+        </p:spPr>
+        <p:txBody>
+          <a:bodyPr wrap="square" rtlCol="0">
+            <a:spAutoFit/>
+          </a:bodyPr>
+          <a:lstStyle/>
+          <a:p>
+            <a:r>
+              <a:rPr lang="it-IT" sz="8800" dirty="0"/>
+              <a:t>SLIDES ULTERIORI</a:t>
+            </a:r>
+          </a:p>
+        </p:txBody>
+      </p:sp>
+    </p:spTree>
+    <p:extLst>
+      <p:ext uri="{BB962C8B-B14F-4D97-AF65-F5344CB8AC3E}">
+        <p14:creationId xmlns:p14="http://schemas.microsoft.com/office/powerpoint/2010/main" val="4204074553"/>
+      </p:ext>
+    </p:extLst>
+  </p:cSld>
+  <p:clrMapOvr>
+    <a:masterClrMapping/>
+  </p:clrMapOvr>
+</p:sld>
+</file>
+
+<file path=ppt/slides/slide12.xml><?xml version="1.0" encoding="utf-8"?>
 <p:sld xmlns:a="http://schemas.openxmlformats.org/drawingml/2006/main" xmlns:r="http://schemas.openxmlformats.org/officeDocument/2006/relationships" xmlns:p="http://schemas.openxmlformats.org/presentationml/2006/main">
   <p:cSld>
     <p:spTree>
@@ -14439,7 +14959,7 @@
 </p:sld>
 </file>
 
-<file path=ppt/slides/slide11.xml><?xml version="1.0" encoding="utf-8"?>
+<file path=ppt/slides/slide13.xml><?xml version="1.0" encoding="utf-8"?>
 <p:sld xmlns:a="http://schemas.openxmlformats.org/drawingml/2006/main" xmlns:r="http://schemas.openxmlformats.org/officeDocument/2006/relationships" xmlns:p="http://schemas.openxmlformats.org/presentationml/2006/main">
   <p:cSld>
     <p:spTree>
@@ -14893,7 +15413,7 @@
 </p:sld>
 </file>
 
-<file path=ppt/slides/slide12.xml><?xml version="1.0" encoding="utf-8"?>
+<file path=ppt/slides/slide14.xml><?xml version="1.0" encoding="utf-8"?>
 <p:sld xmlns:a="http://schemas.openxmlformats.org/drawingml/2006/main" xmlns:r="http://schemas.openxmlformats.org/officeDocument/2006/relationships" xmlns:p="http://schemas.openxmlformats.org/presentationml/2006/main">
   <p:cSld>
     <p:spTree>
@@ -15600,7 +16120,7 @@
 </p:sld>
 </file>
 
-<file path=ppt/slides/slide13.xml><?xml version="1.0" encoding="utf-8"?>
+<file path=ppt/slides/slide15.xml><?xml version="1.0" encoding="utf-8"?>
 <p:sld xmlns:a="http://schemas.openxmlformats.org/drawingml/2006/main" xmlns:r="http://schemas.openxmlformats.org/officeDocument/2006/relationships" xmlns:p="http://schemas.openxmlformats.org/presentationml/2006/main">
   <p:cSld>
     <p:spTree>
@@ -15892,7 +16412,7 @@
 </p:sld>
 </file>
 
-<file path=ppt/slides/slide14.xml><?xml version="1.0" encoding="utf-8"?>
+<file path=ppt/slides/slide16.xml><?xml version="1.0" encoding="utf-8"?>
 <p:sld xmlns:a="http://schemas.openxmlformats.org/drawingml/2006/main" xmlns:r="http://schemas.openxmlformats.org/officeDocument/2006/relationships" xmlns:p="http://schemas.openxmlformats.org/presentationml/2006/main">
   <p:cSld>
     <p:spTree>
@@ -16393,8 +16913,8 @@
           </a:fontRef>
         </p:style>
       </p:cxnSp>
-      <mc:AlternateContent xmlns:mc="http://schemas.openxmlformats.org/markup-compatibility/2006">
-        <mc:Choice xmlns:a14="http://schemas.microsoft.com/office/drawing/2010/main" Requires="a14">
+      <mc:AlternateContent xmlns:mc="http://schemas.openxmlformats.org/markup-compatibility/2006" xmlns:a14="http://schemas.microsoft.com/office/drawing/2010/main">
+        <mc:Choice Requires="a14">
           <p:sp>
             <p:nvSpPr>
               <p:cNvPr id="6" name="CasellaDiTesto 5">
@@ -16683,7 +17203,7 @@
             </p:txBody>
           </p:sp>
         </mc:Choice>
-        <mc:Fallback>
+        <mc:Fallback xmlns="">
           <p:sp>
             <p:nvSpPr>
               <p:cNvPr id="6" name="CasellaDiTesto 5">
@@ -19076,6 +19596,257 @@
               <a:defRPr/>
             </a:pPr>
             <a:r>
+              <a:rPr lang="it-IT" sz="4400" dirty="0" err="1">
+                <a:solidFill>
+                  <a:prstClr val="black">
+                    <a:lumMod val="75000"/>
+                    <a:lumOff val="25000"/>
+                  </a:prstClr>
+                </a:solidFill>
+                <a:latin typeface="Century Gothic" panose="020B0502020202020204"/>
+              </a:rPr>
+              <a:t>Response</a:t>
+            </a:r>
+            <a:r>
+              <a:rPr lang="it-IT" sz="4400" dirty="0">
+                <a:solidFill>
+                  <a:prstClr val="black">
+                    <a:lumMod val="75000"/>
+                    <a:lumOff val="25000"/>
+                  </a:prstClr>
+                </a:solidFill>
+                <a:latin typeface="Century Gothic" panose="020B0502020202020204"/>
+              </a:rPr>
+              <a:t> Time Limits</a:t>
+            </a:r>
+            <a:endParaRPr kumimoji="0" lang="it-IT" sz="4400" b="0" i="0" u="none" strike="noStrike" kern="1200" cap="none" spc="-50" normalizeH="0" baseline="0" noProof="0" dirty="0">
+              <a:ln>
+                <a:noFill/>
+              </a:ln>
+              <a:solidFill>
+                <a:prstClr val="black">
+                  <a:lumMod val="75000"/>
+                  <a:lumOff val="25000"/>
+                </a:prstClr>
+              </a:solidFill>
+              <a:effectLst/>
+              <a:uLnTx/>
+              <a:uFillTx/>
+              <a:latin typeface="Century Gothic" panose="020B0502020202020204"/>
+              <a:ea typeface="+mj-ea"/>
+              <a:cs typeface="+mj-cs"/>
+            </a:endParaRPr>
+          </a:p>
+        </p:txBody>
+      </p:sp>
+      <p:pic>
+        <p:nvPicPr>
+          <p:cNvPr id="12" name="Immagine 11">
+            <a:extLst>
+              <a:ext uri="{FF2B5EF4-FFF2-40B4-BE49-F238E27FC236}">
+                <a16:creationId xmlns:a16="http://schemas.microsoft.com/office/drawing/2014/main" id="{F9422C6D-CCF1-44F5-8E58-A4236B8AE3E2}"/>
+              </a:ext>
+            </a:extLst>
+          </p:cNvPr>
+          <p:cNvPicPr>
+            <a:picLocks noChangeAspect="1"/>
+          </p:cNvPicPr>
+          <p:nvPr/>
+        </p:nvPicPr>
+        <p:blipFill>
+          <a:blip r:embed="rId2">
+            <a:extLst>
+              <a:ext uri="{28A0092B-C50C-407E-A947-70E740481C1C}">
+                <a14:useLocalDpi xmlns:a14="http://schemas.microsoft.com/office/drawing/2010/main" val="0"/>
+              </a:ext>
+            </a:extLst>
+          </a:blip>
+          <a:stretch>
+            <a:fillRect/>
+          </a:stretch>
+        </p:blipFill>
+        <p:spPr>
+          <a:xfrm>
+            <a:off x="11175534" y="83554"/>
+            <a:ext cx="953264" cy="973123"/>
+          </a:xfrm>
+          <a:prstGeom prst="rect">
+            <a:avLst/>
+          </a:prstGeom>
+        </p:spPr>
+      </p:pic>
+      <p:cxnSp>
+        <p:nvCxnSpPr>
+          <p:cNvPr id="5" name="Connettore diritto 4">
+            <a:extLst>
+              <a:ext uri="{FF2B5EF4-FFF2-40B4-BE49-F238E27FC236}">
+                <a16:creationId xmlns:a16="http://schemas.microsoft.com/office/drawing/2014/main" id="{D134BEB7-9277-42CC-94F3-EC30905EE1CD}"/>
+              </a:ext>
+            </a:extLst>
+          </p:cNvPr>
+          <p:cNvCxnSpPr>
+            <a:cxnSpLocks/>
+          </p:cNvCxnSpPr>
+          <p:nvPr/>
+        </p:nvCxnSpPr>
+        <p:spPr>
+          <a:xfrm>
+            <a:off x="494950" y="939231"/>
+            <a:ext cx="9513116" cy="0"/>
+          </a:xfrm>
+          <a:prstGeom prst="line">
+            <a:avLst/>
+          </a:prstGeom>
+        </p:spPr>
+        <p:style>
+          <a:lnRef idx="1">
+            <a:schemeClr val="accent1"/>
+          </a:lnRef>
+          <a:fillRef idx="0">
+            <a:schemeClr val="accent1"/>
+          </a:fillRef>
+          <a:effectRef idx="0">
+            <a:schemeClr val="accent1"/>
+          </a:effectRef>
+          <a:fontRef idx="minor">
+            <a:schemeClr val="tx1"/>
+          </a:fontRef>
+        </p:style>
+      </p:cxnSp>
+      <p:pic>
+        <p:nvPicPr>
+          <p:cNvPr id="9" name="Immagine 8">
+            <a:extLst>
+              <a:ext uri="{FF2B5EF4-FFF2-40B4-BE49-F238E27FC236}">
+                <a16:creationId xmlns:a16="http://schemas.microsoft.com/office/drawing/2014/main" id="{2D04F315-CF14-4C54-BDA3-B1B78B64EDE1}"/>
+              </a:ext>
+            </a:extLst>
+          </p:cNvPr>
+          <p:cNvPicPr>
+            <a:picLocks noChangeAspect="1"/>
+          </p:cNvPicPr>
+          <p:nvPr/>
+        </p:nvPicPr>
+        <p:blipFill>
+          <a:blip r:embed="rId3">
+            <a:extLst>
+              <a:ext uri="{28A0092B-C50C-407E-A947-70E740481C1C}">
+                <a14:useLocalDpi xmlns:a14="http://schemas.microsoft.com/office/drawing/2010/main" val="0"/>
+              </a:ext>
+            </a:extLst>
+          </a:blip>
+          <a:stretch>
+            <a:fillRect/>
+          </a:stretch>
+        </p:blipFill>
+        <p:spPr>
+          <a:xfrm>
+            <a:off x="1863753" y="1382480"/>
+            <a:ext cx="8464493" cy="4984837"/>
+          </a:xfrm>
+          <a:prstGeom prst="rect">
+            <a:avLst/>
+          </a:prstGeom>
+        </p:spPr>
+      </p:pic>
+    </p:spTree>
+    <p:extLst>
+      <p:ext uri="{BB962C8B-B14F-4D97-AF65-F5344CB8AC3E}">
+        <p14:creationId xmlns:p14="http://schemas.microsoft.com/office/powerpoint/2010/main" val="855233247"/>
+      </p:ext>
+    </p:extLst>
+  </p:cSld>
+  <p:clrMapOvr>
+    <a:masterClrMapping/>
+  </p:clrMapOvr>
+</p:sld>
+</file>
+
+<file path=ppt/slides/slide6.xml><?xml version="1.0" encoding="utf-8"?>
+<p:sld xmlns:a="http://schemas.openxmlformats.org/drawingml/2006/main" xmlns:r="http://schemas.openxmlformats.org/officeDocument/2006/relationships" xmlns:p="http://schemas.openxmlformats.org/presentationml/2006/main">
+  <p:cSld>
+    <p:spTree>
+      <p:nvGrpSpPr>
+        <p:cNvPr id="1" name=""/>
+        <p:cNvGrpSpPr/>
+        <p:nvPr/>
+      </p:nvGrpSpPr>
+      <p:grpSpPr>
+        <a:xfrm>
+          <a:off x="0" y="0"/>
+          <a:ext cx="0" cy="0"/>
+          <a:chOff x="0" y="0"/>
+          <a:chExt cx="0" cy="0"/>
+        </a:xfrm>
+      </p:grpSpPr>
+      <p:sp>
+        <p:nvSpPr>
+          <p:cNvPr id="2" name="Titolo 1">
+            <a:extLst>
+              <a:ext uri="{FF2B5EF4-FFF2-40B4-BE49-F238E27FC236}">
+                <a16:creationId xmlns:a16="http://schemas.microsoft.com/office/drawing/2014/main" id="{BA86AC3F-2327-4593-B52E-6326631EA2ED}"/>
+              </a:ext>
+            </a:extLst>
+          </p:cNvPr>
+          <p:cNvSpPr txBox="1">
+            <a:spLocks/>
+          </p:cNvSpPr>
+          <p:nvPr/>
+        </p:nvSpPr>
+        <p:spPr>
+          <a:xfrm>
+            <a:off x="0" y="234424"/>
+            <a:ext cx="10444294" cy="763530"/>
+          </a:xfrm>
+          <a:prstGeom prst="rect">
+            <a:avLst/>
+          </a:prstGeom>
+        </p:spPr>
+        <p:txBody>
+          <a:bodyPr>
+            <a:normAutofit fontScale="97500"/>
+          </a:bodyPr>
+          <a:lstStyle>
+            <a:lvl1pPr algn="l" defTabSz="914400" rtl="0" eaLnBrk="1" latinLnBrk="0" hangingPunct="1">
+              <a:lnSpc>
+                <a:spcPct val="85000"/>
+              </a:lnSpc>
+              <a:spcBef>
+                <a:spcPct val="0"/>
+              </a:spcBef>
+              <a:buNone/>
+              <a:defRPr sz="4800" kern="1200" spc="-50" baseline="0">
+                <a:solidFill>
+                  <a:schemeClr val="tx1">
+                    <a:lumMod val="75000"/>
+                    <a:lumOff val="25000"/>
+                  </a:schemeClr>
+                </a:solidFill>
+                <a:latin typeface="+mj-lt"/>
+                <a:ea typeface="+mj-ea"/>
+                <a:cs typeface="+mj-cs"/>
+              </a:defRPr>
+            </a:lvl1pPr>
+          </a:lstStyle>
+          <a:p>
+            <a:pPr marL="0" marR="0" lvl="0" indent="0" algn="ctr" defTabSz="914400" rtl="0" eaLnBrk="1" fontAlgn="auto" latinLnBrk="0" hangingPunct="1">
+              <a:lnSpc>
+                <a:spcPct val="85000"/>
+              </a:lnSpc>
+              <a:spcBef>
+                <a:spcPct val="0"/>
+              </a:spcBef>
+              <a:spcAft>
+                <a:spcPts val="0"/>
+              </a:spcAft>
+              <a:buClrTx/>
+              <a:buSzTx/>
+              <a:buFontTx/>
+              <a:buNone/>
+              <a:tabLst/>
+              <a:defRPr/>
+            </a:pPr>
+            <a:r>
               <a:rPr kumimoji="0" lang="it-IT" sz="4400" b="0" i="0" u="none" strike="noStrike" kern="1200" cap="none" spc="-50" normalizeH="0" baseline="0" noProof="0" dirty="0">
                 <a:ln>
                   <a:noFill/>
@@ -19237,7 +20008,7 @@
         </p:blipFill>
         <p:spPr>
           <a:xfrm>
-            <a:off x="494949" y="1480777"/>
+            <a:off x="494950" y="1385240"/>
             <a:ext cx="6459523" cy="3162338"/>
           </a:xfrm>
           <a:prstGeom prst="rect">
@@ -19412,8 +20183,8 @@
           </a:p>
         </p:txBody>
       </p:sp>
-      <mc:AlternateContent xmlns:mc="http://schemas.openxmlformats.org/markup-compatibility/2006" xmlns:a14="http://schemas.microsoft.com/office/drawing/2010/main">
-        <mc:Choice Requires="a14">
+      <mc:AlternateContent xmlns:mc="http://schemas.openxmlformats.org/markup-compatibility/2006">
+        <mc:Choice xmlns:a14="http://schemas.microsoft.com/office/drawing/2010/main" Requires="a14">
           <p:sp>
             <p:nvSpPr>
               <p:cNvPr id="8" name="CasellaDiTesto 7">
@@ -19428,8 +20199,8 @@
             </p:nvSpPr>
             <p:spPr>
               <a:xfrm>
-                <a:off x="494950" y="5343787"/>
-                <a:ext cx="10680584" cy="461665"/>
+                <a:off x="494950" y="4684584"/>
+                <a:ext cx="10680584" cy="1938992"/>
               </a:xfrm>
               <a:prstGeom prst="rect">
                 <a:avLst/>
@@ -19441,6 +20212,16 @@
                 <a:spAutoFit/>
               </a:bodyPr>
               <a:lstStyle/>
+              <a:p>
+                <a:pPr algn="ctr"/>
+                <a:r>
+                  <a:rPr lang="it-IT" sz="2400" dirty="0">
+                    <a:latin typeface="Times New Roman" panose="02020603050405020304" pitchFamily="18" charset="0"/>
+                    <a:cs typeface="Times New Roman" panose="02020603050405020304" pitchFamily="18" charset="0"/>
+                  </a:rPr>
+                  <a:t>Standard Scenario:</a:t>
+                </a:r>
+              </a:p>
               <a:p>
                 <a:pPr algn="ctr"/>
                 <a:r>
@@ -19487,13 +20268,103 @@
                     <a:latin typeface="Times New Roman" panose="02020603050405020304" pitchFamily="18" charset="0"/>
                     <a:cs typeface="Times New Roman" panose="02020603050405020304" pitchFamily="18" charset="0"/>
                   </a:rPr>
-                  <a:t> = 5ms;    </a:t>
+                  <a:t> = 5ms;</a:t>
+                </a:r>
+              </a:p>
+              <a:p>
+                <a:pPr algn="ctr"/>
+                <a:r>
+                  <a:rPr lang="it-IT" sz="2400" dirty="0">
+                    <a:latin typeface="Times New Roman" panose="02020603050405020304" pitchFamily="18" charset="0"/>
+                    <a:cs typeface="Times New Roman" panose="02020603050405020304" pitchFamily="18" charset="0"/>
+                  </a:rPr>
+                  <a:t> </a:t>
+                </a:r>
+              </a:p>
+              <a:p>
+                <a:pPr algn="ctr"/>
+                <a:r>
+                  <a:rPr lang="it-IT" sz="2400" dirty="0" err="1">
+                    <a:latin typeface="Times New Roman" panose="02020603050405020304" pitchFamily="18" charset="0"/>
+                    <a:cs typeface="Times New Roman" panose="02020603050405020304" pitchFamily="18" charset="0"/>
+                  </a:rPr>
+                  <a:t>Response</a:t>
+                </a:r>
+                <a:r>
+                  <a:rPr lang="it-IT" sz="2400" dirty="0">
+                    <a:latin typeface="Times New Roman" panose="02020603050405020304" pitchFamily="18" charset="0"/>
+                    <a:cs typeface="Times New Roman" panose="02020603050405020304" pitchFamily="18" charset="0"/>
+                  </a:rPr>
+                  <a:t> Time </a:t>
+                </a:r>
+                <a:r>
+                  <a:rPr lang="it-IT" sz="2400" dirty="0" err="1">
+                    <a:latin typeface="Times New Roman" panose="02020603050405020304" pitchFamily="18" charset="0"/>
+                    <a:cs typeface="Times New Roman" panose="02020603050405020304" pitchFamily="18" charset="0"/>
+                  </a:rPr>
+                  <a:t>Explosion</a:t>
+                </a:r>
+                <a:r>
+                  <a:rPr lang="it-IT" sz="2400" dirty="0">
+                    <a:latin typeface="Times New Roman" panose="02020603050405020304" pitchFamily="18" charset="0"/>
+                    <a:cs typeface="Times New Roman" panose="02020603050405020304" pitchFamily="18" charset="0"/>
+                  </a:rPr>
+                  <a:t> Scenario:</a:t>
+                </a:r>
+              </a:p>
+              <a:p>
+                <a:pPr algn="ctr"/>
+                <a:r>
+                  <a:rPr lang="it-IT" sz="2400" dirty="0">
+                    <a:latin typeface="Times New Roman" panose="02020603050405020304" pitchFamily="18" charset="0"/>
+                    <a:cs typeface="Times New Roman" panose="02020603050405020304" pitchFamily="18" charset="0"/>
+                  </a:rPr>
+                  <a:t>N = [5, 30];    C = [6, 100];    1/λ = [25ms, 55ms];    p = [0.1, 1];    </a:t>
+                </a:r>
+                <a14:m>
+                  <m:oMath xmlns:m="http://schemas.openxmlformats.org/officeDocument/2006/math">
+                    <m:sSub>
+                      <m:sSubPr>
+                        <m:ctrlPr>
+                          <a:rPr lang="it-IT" sz="2400" i="1">
+                            <a:latin typeface="Cambria Math" panose="02040503050406030204" pitchFamily="18" charset="0"/>
+                            <a:cs typeface="Times New Roman" panose="02020603050405020304" pitchFamily="18" charset="0"/>
+                          </a:rPr>
+                        </m:ctrlPr>
+                      </m:sSubPr>
+                      <m:e>
+                        <m:r>
+                          <a:rPr lang="it-IT" sz="2400" i="1">
+                            <a:latin typeface="Cambria Math" panose="02040503050406030204" pitchFamily="18" charset="0"/>
+                            <a:cs typeface="Times New Roman" panose="02020603050405020304" pitchFamily="18" charset="0"/>
+                          </a:rPr>
+                          <m:t>𝑇</m:t>
+                        </m:r>
+                      </m:e>
+                      <m:sub>
+                        <m:r>
+                          <a:rPr lang="it-IT" sz="2400" i="1">
+                            <a:latin typeface="Cambria Math" panose="02040503050406030204" pitchFamily="18" charset="0"/>
+                            <a:cs typeface="Times New Roman" panose="02020603050405020304" pitchFamily="18" charset="0"/>
+                          </a:rPr>
+                          <m:t>𝑠𝑙𝑜𝑡</m:t>
+                        </m:r>
+                      </m:sub>
+                    </m:sSub>
+                  </m:oMath>
+                </a14:m>
+                <a:r>
+                  <a:rPr lang="it-IT" sz="2400" dirty="0">
+                    <a:latin typeface="Times New Roman" panose="02020603050405020304" pitchFamily="18" charset="0"/>
+                    <a:cs typeface="Times New Roman" panose="02020603050405020304" pitchFamily="18" charset="0"/>
+                  </a:rPr>
+                  <a:t> = 5ms;       </a:t>
                 </a:r>
               </a:p>
             </p:txBody>
           </p:sp>
         </mc:Choice>
-        <mc:Fallback xmlns="">
+        <mc:Fallback>
           <p:sp>
             <p:nvSpPr>
               <p:cNvPr id="8" name="CasellaDiTesto 7">
@@ -19510,8 +20381,8 @@
             </p:nvSpPr>
             <p:spPr>
               <a:xfrm>
-                <a:off x="494950" y="5343787"/>
-                <a:ext cx="10680584" cy="461665"/>
+                <a:off x="494950" y="4684584"/>
+                <a:ext cx="10680584" cy="1938992"/>
               </a:xfrm>
               <a:prstGeom prst="rect">
                 <a:avLst/>
@@ -19519,7 +20390,7 @@
               <a:blipFill>
                 <a:blip r:embed="rId4"/>
                 <a:stretch>
-                  <a:fillRect t="-10667" r="-2454" b="-30667"/>
+                  <a:fillRect t="-2508" b="-5956"/>
                 </a:stretch>
               </a:blipFill>
             </p:spPr>
@@ -19551,7 +20422,590 @@
 </p:sld>
 </file>
 
-<file path=ppt/slides/slide6.xml><?xml version="1.0" encoding="utf-8"?>
+<file path=ppt/slides/slide7.xml><?xml version="1.0" encoding="utf-8"?>
+<p:sld xmlns:a="http://schemas.openxmlformats.org/drawingml/2006/main" xmlns:r="http://schemas.openxmlformats.org/officeDocument/2006/relationships" xmlns:p="http://schemas.openxmlformats.org/presentationml/2006/main">
+  <p:cSld>
+    <p:spTree>
+      <p:nvGrpSpPr>
+        <p:cNvPr id="1" name=""/>
+        <p:cNvGrpSpPr/>
+        <p:nvPr/>
+      </p:nvGrpSpPr>
+      <p:grpSpPr>
+        <a:xfrm>
+          <a:off x="0" y="0"/>
+          <a:ext cx="0" cy="0"/>
+          <a:chOff x="0" y="0"/>
+          <a:chExt cx="0" cy="0"/>
+        </a:xfrm>
+      </p:grpSpPr>
+      <mc:AlternateContent xmlns:mc="http://schemas.openxmlformats.org/markup-compatibility/2006">
+        <mc:Choice xmlns:a14="http://schemas.microsoft.com/office/drawing/2010/main" Requires="a14">
+          <p:sp>
+            <p:nvSpPr>
+              <p:cNvPr id="2" name="Titolo 1">
+                <a:extLst>
+                  <a:ext uri="{FF2B5EF4-FFF2-40B4-BE49-F238E27FC236}">
+                    <a16:creationId xmlns:a16="http://schemas.microsoft.com/office/drawing/2014/main" id="{BA86AC3F-2327-4593-B52E-6326631EA2ED}"/>
+                  </a:ext>
+                </a:extLst>
+              </p:cNvPr>
+              <p:cNvSpPr txBox="1">
+                <a:spLocks/>
+              </p:cNvSpPr>
+              <p:nvPr/>
+            </p:nvSpPr>
+            <p:spPr>
+              <a:xfrm>
+                <a:off x="0" y="234424"/>
+                <a:ext cx="10444294" cy="763530"/>
+              </a:xfrm>
+              <a:prstGeom prst="rect">
+                <a:avLst/>
+              </a:prstGeom>
+            </p:spPr>
+            <p:txBody>
+              <a:bodyPr>
+                <a:normAutofit fontScale="97500"/>
+              </a:bodyPr>
+              <a:lstStyle>
+                <a:lvl1pPr algn="l" defTabSz="914400" rtl="0" eaLnBrk="1" latinLnBrk="0" hangingPunct="1">
+                  <a:lnSpc>
+                    <a:spcPct val="85000"/>
+                  </a:lnSpc>
+                  <a:spcBef>
+                    <a:spcPct val="0"/>
+                  </a:spcBef>
+                  <a:buNone/>
+                  <a:defRPr sz="4800" kern="1200" spc="-50" baseline="0">
+                    <a:solidFill>
+                      <a:schemeClr val="tx1">
+                        <a:lumMod val="75000"/>
+                        <a:lumOff val="25000"/>
+                      </a:schemeClr>
+                    </a:solidFill>
+                    <a:latin typeface="+mj-lt"/>
+                    <a:ea typeface="+mj-ea"/>
+                    <a:cs typeface="+mj-cs"/>
+                  </a:defRPr>
+                </a:lvl1pPr>
+              </a:lstStyle>
+              <a:p>
+                <a:pPr lvl="0" algn="ctr">
+                  <a:defRPr/>
+                </a:pPr>
+                <a14:m>
+                  <m:oMath xmlns:m="http://schemas.openxmlformats.org/officeDocument/2006/math">
+                    <m:r>
+                      <a:rPr lang="it-IT" sz="4400" i="1">
+                        <a:solidFill>
+                          <a:prstClr val="black">
+                            <a:lumMod val="75000"/>
+                            <a:lumOff val="25000"/>
+                          </a:prstClr>
+                        </a:solidFill>
+                        <a:latin typeface="Cambria Math" panose="02040503050406030204" pitchFamily="18" charset="0"/>
+                      </a:rPr>
+                      <m:t>𝑟</m:t>
+                    </m:r>
+                    <m:sSup>
+                      <m:sSupPr>
+                        <m:ctrlPr>
+                          <a:rPr lang="it-IT" sz="4400" i="1">
+                            <a:solidFill>
+                              <a:prstClr val="black">
+                                <a:lumMod val="75000"/>
+                                <a:lumOff val="25000"/>
+                              </a:prstClr>
+                            </a:solidFill>
+                            <a:latin typeface="Cambria Math" panose="02040503050406030204" pitchFamily="18" charset="0"/>
+                          </a:rPr>
+                        </m:ctrlPr>
+                      </m:sSupPr>
+                      <m:e>
+                        <m:r>
+                          <a:rPr lang="it-IT" sz="4400" i="1">
+                            <a:solidFill>
+                              <a:prstClr val="black">
+                                <a:lumMod val="75000"/>
+                                <a:lumOff val="25000"/>
+                              </a:prstClr>
+                            </a:solidFill>
+                            <a:latin typeface="Cambria Math" panose="02040503050406030204" pitchFamily="18" charset="0"/>
+                          </a:rPr>
+                          <m:t>2</m:t>
+                        </m:r>
+                      </m:e>
+                      <m:sup>
+                        <m:r>
+                          <a:rPr lang="it-IT" sz="4400" i="1">
+                            <a:solidFill>
+                              <a:prstClr val="black">
+                                <a:lumMod val="75000"/>
+                                <a:lumOff val="25000"/>
+                              </a:prstClr>
+                            </a:solidFill>
+                            <a:latin typeface="Cambria Math" panose="02040503050406030204" pitchFamily="18" charset="0"/>
+                          </a:rPr>
+                          <m:t>𝑘</m:t>
+                        </m:r>
+                      </m:sup>
+                    </m:sSup>
+                    <m:r>
+                      <a:rPr lang="it-IT" sz="4400" i="1">
+                        <a:solidFill>
+                          <a:prstClr val="black">
+                            <a:lumMod val="75000"/>
+                            <a:lumOff val="25000"/>
+                          </a:prstClr>
+                        </a:solidFill>
+                        <a:latin typeface="Cambria Math" panose="02040503050406030204" pitchFamily="18" charset="0"/>
+                      </a:rPr>
+                      <m:t> </m:t>
+                    </m:r>
+                  </m:oMath>
+                </a14:m>
+                <a:r>
+                  <a:rPr kumimoji="0" lang="it-IT" sz="4400" b="0" i="0" u="none" strike="noStrike" kern="1200" cap="none" spc="-50" normalizeH="0" baseline="0" noProof="0" dirty="0">
+                    <a:ln>
+                      <a:noFill/>
+                    </a:ln>
+                    <a:solidFill>
+                      <a:prstClr val="black">
+                        <a:lumMod val="75000"/>
+                        <a:lumOff val="25000"/>
+                      </a:prstClr>
+                    </a:solidFill>
+                    <a:effectLst/>
+                    <a:uLnTx/>
+                    <a:uFillTx/>
+                    <a:latin typeface="Century Gothic" panose="020B0502020202020204"/>
+                    <a:ea typeface="+mj-ea"/>
+                    <a:cs typeface="+mj-cs"/>
+                  </a:rPr>
+                  <a:t>Analysis</a:t>
+                </a:r>
+                <a:r>
+                  <a:rPr kumimoji="0" lang="it-IT" sz="4400" b="0" i="0" u="none" strike="noStrike" kern="1200" cap="none" spc="-50" normalizeH="0" noProof="0" dirty="0">
+                    <a:ln>
+                      <a:noFill/>
+                    </a:ln>
+                    <a:solidFill>
+                      <a:prstClr val="black">
+                        <a:lumMod val="75000"/>
+                        <a:lumOff val="25000"/>
+                      </a:prstClr>
+                    </a:solidFill>
+                    <a:effectLst/>
+                    <a:uLnTx/>
+                    <a:uFillTx/>
+                    <a:latin typeface="Century Gothic" panose="020B0502020202020204"/>
+                    <a:ea typeface="+mj-ea"/>
+                    <a:cs typeface="+mj-cs"/>
+                  </a:rPr>
+                  <a:t> - </a:t>
+                </a:r>
+                <a:r>
+                  <a:rPr kumimoji="0" lang="it-IT" sz="4400" b="0" i="0" u="none" strike="noStrike" kern="1200" cap="none" spc="-50" normalizeH="0" noProof="0" dirty="0" err="1">
+                    <a:ln>
+                      <a:noFill/>
+                    </a:ln>
+                    <a:solidFill>
+                      <a:prstClr val="black">
+                        <a:lumMod val="75000"/>
+                        <a:lumOff val="25000"/>
+                      </a:prstClr>
+                    </a:solidFill>
+                    <a:effectLst/>
+                    <a:uLnTx/>
+                    <a:uFillTx/>
+                    <a:latin typeface="Century Gothic" panose="020B0502020202020204"/>
+                    <a:ea typeface="+mj-ea"/>
+                    <a:cs typeface="+mj-cs"/>
+                  </a:rPr>
+                  <a:t>Response</a:t>
+                </a:r>
+                <a:r>
+                  <a:rPr kumimoji="0" lang="it-IT" sz="4400" b="0" i="0" u="none" strike="noStrike" kern="1200" cap="none" spc="-50" normalizeH="0" baseline="0" noProof="0" dirty="0">
+                    <a:ln>
+                      <a:noFill/>
+                    </a:ln>
+                    <a:solidFill>
+                      <a:prstClr val="black">
+                        <a:lumMod val="75000"/>
+                        <a:lumOff val="25000"/>
+                      </a:prstClr>
+                    </a:solidFill>
+                    <a:effectLst/>
+                    <a:uLnTx/>
+                    <a:uFillTx/>
+                    <a:latin typeface="Century Gothic" panose="020B0502020202020204"/>
+                    <a:ea typeface="+mj-ea"/>
+                    <a:cs typeface="+mj-cs"/>
+                  </a:rPr>
+                  <a:t> Time </a:t>
+                </a:r>
+                <a:r>
+                  <a:rPr kumimoji="0" lang="it-IT" sz="4400" b="0" i="0" u="none" strike="noStrike" kern="1200" cap="none" spc="-50" normalizeH="0" baseline="0" noProof="0" dirty="0" err="1">
+                    <a:ln>
+                      <a:noFill/>
+                    </a:ln>
+                    <a:solidFill>
+                      <a:prstClr val="black">
+                        <a:lumMod val="75000"/>
+                        <a:lumOff val="25000"/>
+                      </a:prstClr>
+                    </a:solidFill>
+                    <a:effectLst/>
+                    <a:uLnTx/>
+                    <a:uFillTx/>
+                    <a:latin typeface="Century Gothic" panose="020B0502020202020204"/>
+                    <a:ea typeface="+mj-ea"/>
+                    <a:cs typeface="+mj-cs"/>
+                  </a:rPr>
+                  <a:t>Explosion</a:t>
+                </a:r>
+                <a:endParaRPr kumimoji="0" lang="it-IT" sz="4400" b="0" i="0" u="none" strike="noStrike" kern="1200" cap="none" spc="-50" normalizeH="0" baseline="0" noProof="0" dirty="0">
+                  <a:ln>
+                    <a:noFill/>
+                  </a:ln>
+                  <a:solidFill>
+                    <a:prstClr val="black">
+                      <a:lumMod val="75000"/>
+                      <a:lumOff val="25000"/>
+                    </a:prstClr>
+                  </a:solidFill>
+                  <a:effectLst/>
+                  <a:uLnTx/>
+                  <a:uFillTx/>
+                  <a:latin typeface="Century Gothic" panose="020B0502020202020204"/>
+                  <a:ea typeface="+mj-ea"/>
+                  <a:cs typeface="+mj-cs"/>
+                </a:endParaRPr>
+              </a:p>
+            </p:txBody>
+          </p:sp>
+        </mc:Choice>
+        <mc:Fallback>
+          <p:sp>
+            <p:nvSpPr>
+              <p:cNvPr id="2" name="Titolo 1">
+                <a:extLst>
+                  <a:ext uri="{FF2B5EF4-FFF2-40B4-BE49-F238E27FC236}">
+                    <a16:creationId xmlns:a16="http://schemas.microsoft.com/office/drawing/2014/main" id="{BA86AC3F-2327-4593-B52E-6326631EA2ED}"/>
+                  </a:ext>
+                </a:extLst>
+              </p:cNvPr>
+              <p:cNvSpPr txBox="1">
+                <a:spLocks noRot="1" noChangeAspect="1" noMove="1" noResize="1" noEditPoints="1" noAdjustHandles="1" noChangeArrowheads="1" noChangeShapeType="1" noTextEdit="1"/>
+              </p:cNvSpPr>
+              <p:nvPr/>
+            </p:nvSpPr>
+            <p:spPr>
+              <a:xfrm>
+                <a:off x="0" y="234424"/>
+                <a:ext cx="10444294" cy="763530"/>
+              </a:xfrm>
+              <a:prstGeom prst="rect">
+                <a:avLst/>
+              </a:prstGeom>
+              <a:blipFill>
+                <a:blip r:embed="rId2"/>
+                <a:stretch>
+                  <a:fillRect t="-27778" b="-23016"/>
+                </a:stretch>
+              </a:blipFill>
+            </p:spPr>
+            <p:txBody>
+              <a:bodyPr/>
+              <a:lstStyle/>
+              <a:p>
+                <a:r>
+                  <a:rPr lang="it-IT">
+                    <a:noFill/>
+                  </a:rPr>
+                  <a:t> </a:t>
+                </a:r>
+              </a:p>
+            </p:txBody>
+          </p:sp>
+        </mc:Fallback>
+      </mc:AlternateContent>
+      <p:pic>
+        <p:nvPicPr>
+          <p:cNvPr id="12" name="Immagine 11">
+            <a:extLst>
+              <a:ext uri="{FF2B5EF4-FFF2-40B4-BE49-F238E27FC236}">
+                <a16:creationId xmlns:a16="http://schemas.microsoft.com/office/drawing/2014/main" id="{F9422C6D-CCF1-44F5-8E58-A4236B8AE3E2}"/>
+              </a:ext>
+            </a:extLst>
+          </p:cNvPr>
+          <p:cNvPicPr>
+            <a:picLocks noChangeAspect="1"/>
+          </p:cNvPicPr>
+          <p:nvPr/>
+        </p:nvPicPr>
+        <p:blipFill>
+          <a:blip r:embed="rId3">
+            <a:extLst>
+              <a:ext uri="{28A0092B-C50C-407E-A947-70E740481C1C}">
+                <a14:useLocalDpi xmlns:a14="http://schemas.microsoft.com/office/drawing/2010/main" val="0"/>
+              </a:ext>
+            </a:extLst>
+          </a:blip>
+          <a:stretch>
+            <a:fillRect/>
+          </a:stretch>
+        </p:blipFill>
+        <p:spPr>
+          <a:xfrm>
+            <a:off x="11175534" y="83554"/>
+            <a:ext cx="953264" cy="973123"/>
+          </a:xfrm>
+          <a:prstGeom prst="rect">
+            <a:avLst/>
+          </a:prstGeom>
+        </p:spPr>
+      </p:pic>
+      <p:cxnSp>
+        <p:nvCxnSpPr>
+          <p:cNvPr id="5" name="Connettore diritto 4">
+            <a:extLst>
+              <a:ext uri="{FF2B5EF4-FFF2-40B4-BE49-F238E27FC236}">
+                <a16:creationId xmlns:a16="http://schemas.microsoft.com/office/drawing/2014/main" id="{D134BEB7-9277-42CC-94F3-EC30905EE1CD}"/>
+              </a:ext>
+            </a:extLst>
+          </p:cNvPr>
+          <p:cNvCxnSpPr>
+            <a:cxnSpLocks/>
+          </p:cNvCxnSpPr>
+          <p:nvPr/>
+        </p:nvCxnSpPr>
+        <p:spPr>
+          <a:xfrm>
+            <a:off x="494950" y="939231"/>
+            <a:ext cx="9513116" cy="0"/>
+          </a:xfrm>
+          <a:prstGeom prst="line">
+            <a:avLst/>
+          </a:prstGeom>
+        </p:spPr>
+        <p:style>
+          <a:lnRef idx="1">
+            <a:schemeClr val="accent1"/>
+          </a:lnRef>
+          <a:fillRef idx="0">
+            <a:schemeClr val="accent1"/>
+          </a:fillRef>
+          <a:effectRef idx="0">
+            <a:schemeClr val="accent1"/>
+          </a:effectRef>
+          <a:fontRef idx="minor">
+            <a:schemeClr val="tx1"/>
+          </a:fontRef>
+        </p:style>
+      </p:cxnSp>
+      <p:pic>
+        <p:nvPicPr>
+          <p:cNvPr id="9" name="Immagine 8" descr="Immagine che contiene tavolo&#10;&#10;Descrizione generata automaticamente">
+            <a:extLst>
+              <a:ext uri="{FF2B5EF4-FFF2-40B4-BE49-F238E27FC236}">
+                <a16:creationId xmlns:a16="http://schemas.microsoft.com/office/drawing/2014/main" id="{862FA817-8369-437E-818A-3C888D89AD69}"/>
+              </a:ext>
+            </a:extLst>
+          </p:cNvPr>
+          <p:cNvPicPr>
+            <a:picLocks noChangeAspect="1"/>
+          </p:cNvPicPr>
+          <p:nvPr/>
+        </p:nvPicPr>
+        <p:blipFill>
+          <a:blip r:embed="rId4">
+            <a:extLst>
+              <a:ext uri="{28A0092B-C50C-407E-A947-70E740481C1C}">
+                <a14:useLocalDpi xmlns:a14="http://schemas.microsoft.com/office/drawing/2010/main" val="0"/>
+              </a:ext>
+            </a:extLst>
+          </a:blip>
+          <a:stretch>
+            <a:fillRect/>
+          </a:stretch>
+        </p:blipFill>
+        <p:spPr>
+          <a:xfrm>
+            <a:off x="2181927" y="1820206"/>
+            <a:ext cx="7826139" cy="4747657"/>
+          </a:xfrm>
+          <a:prstGeom prst="rect">
+            <a:avLst/>
+          </a:prstGeom>
+        </p:spPr>
+      </p:pic>
+      <p:sp>
+        <p:nvSpPr>
+          <p:cNvPr id="11" name="CasellaDiTesto 10">
+            <a:extLst>
+              <a:ext uri="{FF2B5EF4-FFF2-40B4-BE49-F238E27FC236}">
+                <a16:creationId xmlns:a16="http://schemas.microsoft.com/office/drawing/2014/main" id="{DDBEDC74-48B7-4B2E-92DB-0A2D2578F0CA}"/>
+              </a:ext>
+            </a:extLst>
+          </p:cNvPr>
+          <p:cNvSpPr txBox="1"/>
+          <p:nvPr/>
+        </p:nvSpPr>
+        <p:spPr>
+          <a:xfrm>
+            <a:off x="0" y="1224414"/>
+            <a:ext cx="12192000" cy="369332"/>
+          </a:xfrm>
+          <a:prstGeom prst="rect">
+            <a:avLst/>
+          </a:prstGeom>
+          <a:noFill/>
+        </p:spPr>
+        <p:txBody>
+          <a:bodyPr wrap="square" rtlCol="0">
+            <a:spAutoFit/>
+          </a:bodyPr>
+          <a:lstStyle/>
+          <a:p>
+            <a:pPr algn="ctr"/>
+            <a:r>
+              <a:rPr lang="it-IT" dirty="0">
+                <a:latin typeface="Times New Roman" panose="02020603050405020304" pitchFamily="18" charset="0"/>
+                <a:cs typeface="Times New Roman" panose="02020603050405020304" pitchFamily="18" charset="0"/>
+              </a:rPr>
+              <a:t>A: </a:t>
+            </a:r>
+            <a:r>
+              <a:rPr lang="it-IT" dirty="0" err="1">
+                <a:latin typeface="Times New Roman" panose="02020603050405020304" pitchFamily="18" charset="0"/>
+                <a:cs typeface="Times New Roman" panose="02020603050405020304" pitchFamily="18" charset="0"/>
+              </a:rPr>
+              <a:t>Number</a:t>
+            </a:r>
+            <a:r>
+              <a:rPr lang="it-IT" dirty="0">
+                <a:latin typeface="Times New Roman" panose="02020603050405020304" pitchFamily="18" charset="0"/>
+                <a:cs typeface="Times New Roman" panose="02020603050405020304" pitchFamily="18" charset="0"/>
+              </a:rPr>
+              <a:t> of </a:t>
+            </a:r>
+            <a:r>
+              <a:rPr lang="it-IT" dirty="0" err="1">
+                <a:latin typeface="Times New Roman" panose="02020603050405020304" pitchFamily="18" charset="0"/>
+                <a:cs typeface="Times New Roman" panose="02020603050405020304" pitchFamily="18" charset="0"/>
+              </a:rPr>
+              <a:t>Couples</a:t>
+            </a:r>
+            <a:r>
+              <a:rPr lang="it-IT" dirty="0">
+                <a:latin typeface="Times New Roman" panose="02020603050405020304" pitchFamily="18" charset="0"/>
+                <a:cs typeface="Times New Roman" panose="02020603050405020304" pitchFamily="18" charset="0"/>
+              </a:rPr>
+              <a:t> </a:t>
+            </a:r>
+            <a:r>
+              <a:rPr lang="it-IT" dirty="0" err="1">
+                <a:latin typeface="Times New Roman" panose="02020603050405020304" pitchFamily="18" charset="0"/>
+                <a:cs typeface="Times New Roman" panose="02020603050405020304" pitchFamily="18" charset="0"/>
+              </a:rPr>
+              <a:t>Tx-Rx</a:t>
+            </a:r>
+            <a:r>
+              <a:rPr lang="it-IT" dirty="0">
+                <a:latin typeface="Times New Roman" panose="02020603050405020304" pitchFamily="18" charset="0"/>
+                <a:cs typeface="Times New Roman" panose="02020603050405020304" pitchFamily="18" charset="0"/>
+              </a:rPr>
+              <a:t>;    B:Number of </a:t>
+            </a:r>
+            <a:r>
+              <a:rPr lang="it-IT" dirty="0" err="1">
+                <a:latin typeface="Times New Roman" panose="02020603050405020304" pitchFamily="18" charset="0"/>
+                <a:cs typeface="Times New Roman" panose="02020603050405020304" pitchFamily="18" charset="0"/>
+              </a:rPr>
+              <a:t>Channels</a:t>
+            </a:r>
+            <a:r>
+              <a:rPr lang="it-IT" dirty="0">
+                <a:latin typeface="Times New Roman" panose="02020603050405020304" pitchFamily="18" charset="0"/>
+                <a:cs typeface="Times New Roman" panose="02020603050405020304" pitchFamily="18" charset="0"/>
+              </a:rPr>
+              <a:t>;    C: </a:t>
+            </a:r>
+            <a:r>
+              <a:rPr lang="it-IT" dirty="0" err="1">
+                <a:latin typeface="Times New Roman" panose="02020603050405020304" pitchFamily="18" charset="0"/>
+                <a:cs typeface="Times New Roman" panose="02020603050405020304" pitchFamily="18" charset="0"/>
+              </a:rPr>
+              <a:t>Send</a:t>
+            </a:r>
+            <a:r>
+              <a:rPr lang="it-IT" dirty="0">
+                <a:latin typeface="Times New Roman" panose="02020603050405020304" pitchFamily="18" charset="0"/>
+                <a:cs typeface="Times New Roman" panose="02020603050405020304" pitchFamily="18" charset="0"/>
+              </a:rPr>
+              <a:t> </a:t>
+            </a:r>
+            <a:r>
+              <a:rPr lang="it-IT" dirty="0" err="1">
+                <a:latin typeface="Times New Roman" panose="02020603050405020304" pitchFamily="18" charset="0"/>
+                <a:cs typeface="Times New Roman" panose="02020603050405020304" pitchFamily="18" charset="0"/>
+              </a:rPr>
+              <a:t>Probability</a:t>
+            </a:r>
+            <a:r>
+              <a:rPr lang="it-IT" dirty="0">
+                <a:latin typeface="Times New Roman" panose="02020603050405020304" pitchFamily="18" charset="0"/>
+                <a:cs typeface="Times New Roman" panose="02020603050405020304" pitchFamily="18" charset="0"/>
+              </a:rPr>
+              <a:t>;    D: </a:t>
+            </a:r>
+            <a:r>
+              <a:rPr lang="it-IT" dirty="0" err="1">
+                <a:latin typeface="Times New Roman" panose="02020603050405020304" pitchFamily="18" charset="0"/>
+                <a:cs typeface="Times New Roman" panose="02020603050405020304" pitchFamily="18" charset="0"/>
+              </a:rPr>
+              <a:t>Mean</a:t>
+            </a:r>
+            <a:r>
+              <a:rPr lang="it-IT" dirty="0">
+                <a:latin typeface="Times New Roman" panose="02020603050405020304" pitchFamily="18" charset="0"/>
+                <a:cs typeface="Times New Roman" panose="02020603050405020304" pitchFamily="18" charset="0"/>
+              </a:rPr>
+              <a:t> Inter-</a:t>
+            </a:r>
+            <a:r>
+              <a:rPr lang="it-IT" dirty="0" err="1">
+                <a:latin typeface="Times New Roman" panose="02020603050405020304" pitchFamily="18" charset="0"/>
+                <a:cs typeface="Times New Roman" panose="02020603050405020304" pitchFamily="18" charset="0"/>
+              </a:rPr>
+              <a:t>Arrival</a:t>
+            </a:r>
+            <a:r>
+              <a:rPr lang="it-IT" dirty="0">
+                <a:latin typeface="Times New Roman" panose="02020603050405020304" pitchFamily="18" charset="0"/>
+                <a:cs typeface="Times New Roman" panose="02020603050405020304" pitchFamily="18" charset="0"/>
+              </a:rPr>
+              <a:t> time</a:t>
+            </a:r>
+          </a:p>
+        </p:txBody>
+      </p:sp>
+    </p:spTree>
+    <p:extLst>
+      <p:ext uri="{BB962C8B-B14F-4D97-AF65-F5344CB8AC3E}">
+        <p14:creationId xmlns:p14="http://schemas.microsoft.com/office/powerpoint/2010/main" val="531920636"/>
+      </p:ext>
+    </p:extLst>
+  </p:cSld>
+  <p:clrMapOvr>
+    <a:masterClrMapping/>
+  </p:clrMapOvr>
+</p:sld>
+</file>
+
+<file path=ppt/slides/slide8.xml><?xml version="1.0" encoding="utf-8"?>
 <p:sld xmlns:a="http://schemas.openxmlformats.org/drawingml/2006/main" xmlns:r="http://schemas.openxmlformats.org/officeDocument/2006/relationships" xmlns:p="http://schemas.openxmlformats.org/presentationml/2006/main">
   <p:cSld>
     <p:spTree>
@@ -19636,46 +21090,85 @@
               <a:defRPr/>
             </a:pPr>
             <a:r>
-              <a:rPr lang="it-IT" sz="4400" dirty="0">
+              <a:rPr kumimoji="0" lang="it-IT" sz="4400" b="0" i="0" u="none" strike="noStrike" kern="1200" cap="none" spc="-50" normalizeH="0" baseline="0" noProof="0" dirty="0" err="1">
+                <a:ln>
+                  <a:noFill/>
+                </a:ln>
                 <a:solidFill>
                   <a:prstClr val="black">
                     <a:lumMod val="75000"/>
                     <a:lumOff val="25000"/>
                   </a:prstClr>
                 </a:solidFill>
+                <a:effectLst/>
+                <a:uLnTx/>
+                <a:uFillTx/>
                 <a:latin typeface="Century Gothic" panose="020B0502020202020204"/>
+                <a:ea typeface="+mj-ea"/>
+                <a:cs typeface="+mj-cs"/>
               </a:rPr>
-              <a:t>Buffer </a:t>
-            </a:r>
-            <a:r>
-              <a:rPr lang="it-IT" sz="4400" dirty="0" err="1">
+              <a:t>Response</a:t>
+            </a:r>
+            <a:r>
+              <a:rPr kumimoji="0" lang="it-IT" sz="4400" b="0" i="0" u="none" strike="noStrike" kern="1200" cap="none" spc="-50" normalizeH="0" baseline="0" noProof="0" dirty="0">
+                <a:ln>
+                  <a:noFill/>
+                </a:ln>
                 <a:solidFill>
                   <a:prstClr val="black">
                     <a:lumMod val="75000"/>
                     <a:lumOff val="25000"/>
                   </a:prstClr>
                 </a:solidFill>
+                <a:effectLst/>
+                <a:uLnTx/>
+                <a:uFillTx/>
                 <a:latin typeface="Century Gothic" panose="020B0502020202020204"/>
+                <a:ea typeface="+mj-ea"/>
+                <a:cs typeface="+mj-cs"/>
+              </a:rPr>
+              <a:t> Time </a:t>
+            </a:r>
+            <a:r>
+              <a:rPr kumimoji="0" lang="it-IT" sz="4400" b="0" i="0" u="none" strike="noStrike" kern="1200" cap="none" spc="-50" normalizeH="0" baseline="0" noProof="0" dirty="0" err="1">
+                <a:ln>
+                  <a:noFill/>
+                </a:ln>
+                <a:solidFill>
+                  <a:prstClr val="black">
+                    <a:lumMod val="75000"/>
+                    <a:lumOff val="25000"/>
+                  </a:prstClr>
+                </a:solidFill>
+                <a:effectLst/>
+                <a:uLnTx/>
+                <a:uFillTx/>
+                <a:latin typeface="Century Gothic" panose="020B0502020202020204"/>
+                <a:ea typeface="+mj-ea"/>
+                <a:cs typeface="+mj-cs"/>
               </a:rPr>
               <a:t>Explosion</a:t>
             </a:r>
-            <a:endParaRPr kumimoji="0" lang="it-IT" sz="4400" b="0" i="0" u="none" strike="noStrike" kern="1200" cap="none" spc="-50" normalizeH="0" baseline="0" noProof="0" dirty="0">
-              <a:ln>
-                <a:noFill/>
-              </a:ln>
-              <a:solidFill>
-                <a:prstClr val="black">
-                  <a:lumMod val="75000"/>
-                  <a:lumOff val="25000"/>
-                </a:prstClr>
-              </a:solidFill>
-              <a:effectLst/>
-              <a:uLnTx/>
-              <a:uFillTx/>
-              <a:latin typeface="Century Gothic" panose="020B0502020202020204"/>
-              <a:ea typeface="+mj-ea"/>
-              <a:cs typeface="+mj-cs"/>
-            </a:endParaRPr>
+            <a:r>
+              <a:rPr kumimoji="0" lang="it-IT" sz="4400" b="0" i="0" u="none" strike="noStrike" kern="1200" cap="none" spc="-50" normalizeH="0" baseline="0" noProof="0" dirty="0">
+                <a:ln>
+                  <a:noFill/>
+                </a:ln>
+                <a:solidFill>
+                  <a:prstClr val="black">
+                    <a:lumMod val="75000"/>
+                    <a:lumOff val="25000"/>
+                  </a:prstClr>
+                </a:solidFill>
+                <a:effectLst/>
+                <a:uLnTx/>
+                <a:uFillTx/>
+                <a:latin typeface="Century Gothic" panose="020B0502020202020204"/>
+                <a:ea typeface="+mj-ea"/>
+                <a:cs typeface="+mj-cs"/>
+              </a:rPr>
+              <a:t> Scenario</a:t>
+            </a:r>
           </a:p>
         </p:txBody>
       </p:sp>
@@ -19753,10 +21246,46 @@
           </a:fontRef>
         </p:style>
       </p:cxnSp>
+      <p:pic>
+        <p:nvPicPr>
+          <p:cNvPr id="4" name="Immagine 3">
+            <a:extLst>
+              <a:ext uri="{FF2B5EF4-FFF2-40B4-BE49-F238E27FC236}">
+                <a16:creationId xmlns:a16="http://schemas.microsoft.com/office/drawing/2014/main" id="{D9DEAC77-EB3E-4D58-A899-E97E2EE2EED6}"/>
+              </a:ext>
+            </a:extLst>
+          </p:cNvPr>
+          <p:cNvPicPr>
+            <a:picLocks noChangeAspect="1"/>
+          </p:cNvPicPr>
+          <p:nvPr/>
+        </p:nvPicPr>
+        <p:blipFill>
+          <a:blip r:embed="rId3">
+            <a:extLst>
+              <a:ext uri="{28A0092B-C50C-407E-A947-70E740481C1C}">
+                <a14:useLocalDpi xmlns:a14="http://schemas.microsoft.com/office/drawing/2010/main" val="0"/>
+              </a:ext>
+            </a:extLst>
+          </a:blip>
+          <a:stretch>
+            <a:fillRect/>
+          </a:stretch>
+        </p:blipFill>
+        <p:spPr>
+          <a:xfrm>
+            <a:off x="2040639" y="1510835"/>
+            <a:ext cx="8110721" cy="4848474"/>
+          </a:xfrm>
+          <a:prstGeom prst="rect">
+            <a:avLst/>
+          </a:prstGeom>
+        </p:spPr>
+      </p:pic>
     </p:spTree>
     <p:extLst>
       <p:ext uri="{BB962C8B-B14F-4D97-AF65-F5344CB8AC3E}">
-        <p14:creationId xmlns:p14="http://schemas.microsoft.com/office/powerpoint/2010/main" val="855233247"/>
+        <p14:creationId xmlns:p14="http://schemas.microsoft.com/office/powerpoint/2010/main" val="1211396468"/>
       </p:ext>
     </p:extLst>
   </p:cSld>
@@ -19766,7 +21295,7 @@
 </p:sld>
 </file>
 
-<file path=ppt/slides/slide7.xml><?xml version="1.0" encoding="utf-8"?>
+<file path=ppt/slides/slide9.xml><?xml version="1.0" encoding="utf-8"?>
 <p:sld xmlns:a="http://schemas.openxmlformats.org/drawingml/2006/main" xmlns:r="http://schemas.openxmlformats.org/officeDocument/2006/relationships" xmlns:p="http://schemas.openxmlformats.org/presentationml/2006/main">
   <p:cSld>
     <p:spTree>
@@ -19857,8 +21386,8 @@
           </a:fontRef>
         </p:style>
       </p:cxnSp>
-      <mc:AlternateContent xmlns:mc="http://schemas.openxmlformats.org/markup-compatibility/2006" xmlns:a14="http://schemas.microsoft.com/office/drawing/2010/main">
-        <mc:Choice Requires="a14">
+      <mc:AlternateContent xmlns:mc="http://schemas.openxmlformats.org/markup-compatibility/2006">
+        <mc:Choice xmlns:a14="http://schemas.microsoft.com/office/drawing/2010/main" Requires="a14">
           <p:sp>
             <p:nvSpPr>
               <p:cNvPr id="6" name="Titolo 1">
@@ -19944,7 +21473,7 @@
                     <a:ea typeface="+mj-ea"/>
                     <a:cs typeface="+mj-cs"/>
                   </a:rPr>
-                  <a:t>Factorial Analysis </a:t>
+                  <a:t>Analysis </a:t>
                 </a:r>
                 <a14:m>
                   <m:oMath xmlns:m="http://schemas.openxmlformats.org/officeDocument/2006/math">
@@ -20037,6 +21566,46 @@
                     </m:sSup>
                   </m:oMath>
                 </a14:m>
+                <a:r>
+                  <a:rPr kumimoji="0" lang="it-IT" sz="4800" b="0" i="0" u="none" strike="noStrike" kern="1200" cap="none" spc="-50" normalizeH="0" baseline="0" noProof="0" dirty="0">
+                    <a:ln>
+                      <a:noFill/>
+                    </a:ln>
+                    <a:solidFill>
+                      <a:prstClr val="black">
+                        <a:lumMod val="75000"/>
+                        <a:lumOff val="25000"/>
+                      </a:prstClr>
+                    </a:solidFill>
+                    <a:effectLst/>
+                    <a:uLnTx/>
+                    <a:uFillTx/>
+                    <a:latin typeface="Century Gothic" panose="020B0502020202020204"/>
+                    <a:ea typeface="+mj-ea"/>
+                    <a:cs typeface="+mj-cs"/>
+                  </a:rPr>
+                  <a:t> - Standard</a:t>
+                </a:r>
+                <a:r>
+                  <a:rPr kumimoji="0" lang="it-IT" sz="4800" b="0" i="0" u="none" strike="noStrike" kern="1200" cap="none" spc="-50" normalizeH="0" noProof="0" dirty="0">
+                    <a:ln>
+                      <a:noFill/>
+                    </a:ln>
+                    <a:solidFill>
+                      <a:prstClr val="black">
+                        <a:lumMod val="75000"/>
+                        <a:lumOff val="25000"/>
+                      </a:prstClr>
+                    </a:solidFill>
+                    <a:effectLst/>
+                    <a:uLnTx/>
+                    <a:uFillTx/>
+                    <a:latin typeface="Century Gothic" panose="020B0502020202020204"/>
+                    <a:ea typeface="+mj-ea"/>
+                    <a:cs typeface="+mj-cs"/>
+                  </a:rPr>
+                  <a:t> Scenario</a:t>
+                </a:r>
                 <a:endParaRPr kumimoji="0" lang="it-IT" sz="4800" b="0" i="0" u="none" strike="noStrike" kern="1200" cap="none" spc="-50" normalizeH="0" baseline="0" noProof="0" dirty="0">
                   <a:ln>
                     <a:noFill/>
@@ -20058,7 +21627,7 @@
             </p:txBody>
           </p:sp>
         </mc:Choice>
-        <mc:Fallback xmlns="">
+        <mc:Fallback>
           <p:sp>
             <p:nvSpPr>
               <p:cNvPr id="6" name="Titolo 1">
@@ -20131,291 +21700,8 @@
         </p:blipFill>
         <p:spPr>
           <a:xfrm>
-            <a:off x="494950" y="1325124"/>
-            <a:ext cx="10035928" cy="5285401"/>
-          </a:xfrm>
-          <a:prstGeom prst="rect">
-            <a:avLst/>
-          </a:prstGeom>
-        </p:spPr>
-      </p:pic>
-    </p:spTree>
-    <p:extLst>
-      <p:ext uri="{BB962C8B-B14F-4D97-AF65-F5344CB8AC3E}">
-        <p14:creationId xmlns:p14="http://schemas.microsoft.com/office/powerpoint/2010/main" val="592269258"/>
-      </p:ext>
-    </p:extLst>
-  </p:cSld>
-  <p:clrMapOvr>
-    <a:masterClrMapping/>
-  </p:clrMapOvr>
-</p:sld>
-</file>
-
-<file path=ppt/slides/slide8.xml><?xml version="1.0" encoding="utf-8"?>
-<p:sld xmlns:a="http://schemas.openxmlformats.org/drawingml/2006/main" xmlns:r="http://schemas.openxmlformats.org/officeDocument/2006/relationships" xmlns:p="http://schemas.openxmlformats.org/presentationml/2006/main">
-  <p:cSld>
-    <p:spTree>
-      <p:nvGrpSpPr>
-        <p:cNvPr id="1" name=""/>
-        <p:cNvGrpSpPr/>
-        <p:nvPr/>
-      </p:nvGrpSpPr>
-      <p:grpSpPr>
-        <a:xfrm>
-          <a:off x="0" y="0"/>
-          <a:ext cx="0" cy="0"/>
-          <a:chOff x="0" y="0"/>
-          <a:chExt cx="0" cy="0"/>
-        </a:xfrm>
-      </p:grpSpPr>
-      <p:pic>
-        <p:nvPicPr>
-          <p:cNvPr id="12" name="Immagine 11">
-            <a:extLst>
-              <a:ext uri="{FF2B5EF4-FFF2-40B4-BE49-F238E27FC236}">
-                <a16:creationId xmlns:a16="http://schemas.microsoft.com/office/drawing/2014/main" id="{F9422C6D-CCF1-44F5-8E58-A4236B8AE3E2}"/>
-              </a:ext>
-            </a:extLst>
-          </p:cNvPr>
-          <p:cNvPicPr>
-            <a:picLocks noChangeAspect="1"/>
-          </p:cNvPicPr>
-          <p:nvPr/>
-        </p:nvPicPr>
-        <p:blipFill>
-          <a:blip r:embed="rId2">
-            <a:extLst>
-              <a:ext uri="{28A0092B-C50C-407E-A947-70E740481C1C}">
-                <a14:useLocalDpi xmlns:a14="http://schemas.microsoft.com/office/drawing/2010/main" val="0"/>
-              </a:ext>
-            </a:extLst>
-          </a:blip>
-          <a:stretch>
-            <a:fillRect/>
-          </a:stretch>
-        </p:blipFill>
-        <p:spPr>
-          <a:xfrm>
-            <a:off x="11175534" y="83554"/>
-            <a:ext cx="953264" cy="973123"/>
-          </a:xfrm>
-          <a:prstGeom prst="rect">
-            <a:avLst/>
-          </a:prstGeom>
-        </p:spPr>
-      </p:pic>
-      <p:cxnSp>
-        <p:nvCxnSpPr>
-          <p:cNvPr id="5" name="Connettore diritto 4">
-            <a:extLst>
-              <a:ext uri="{FF2B5EF4-FFF2-40B4-BE49-F238E27FC236}">
-                <a16:creationId xmlns:a16="http://schemas.microsoft.com/office/drawing/2014/main" id="{D134BEB7-9277-42CC-94F3-EC30905EE1CD}"/>
-              </a:ext>
-            </a:extLst>
-          </p:cNvPr>
-          <p:cNvCxnSpPr>
-            <a:cxnSpLocks/>
-          </p:cNvCxnSpPr>
-          <p:nvPr/>
-        </p:nvCxnSpPr>
-        <p:spPr>
-          <a:xfrm>
-            <a:off x="494950" y="939231"/>
-            <a:ext cx="9513116" cy="0"/>
-          </a:xfrm>
-          <a:prstGeom prst="line">
-            <a:avLst/>
-          </a:prstGeom>
-        </p:spPr>
-        <p:style>
-          <a:lnRef idx="1">
-            <a:schemeClr val="accent1"/>
-          </a:lnRef>
-          <a:fillRef idx="0">
-            <a:schemeClr val="accent1"/>
-          </a:fillRef>
-          <a:effectRef idx="0">
-            <a:schemeClr val="accent1"/>
-          </a:effectRef>
-          <a:fontRef idx="minor">
-            <a:schemeClr val="tx1"/>
-          </a:fontRef>
-        </p:style>
-      </p:cxnSp>
-      <p:sp>
-        <p:nvSpPr>
-          <p:cNvPr id="6" name="Titolo 1">
-            <a:extLst>
-              <a:ext uri="{FF2B5EF4-FFF2-40B4-BE49-F238E27FC236}">
-                <a16:creationId xmlns:a16="http://schemas.microsoft.com/office/drawing/2014/main" id="{C337F802-737A-4D0C-A1AE-A6AA57B485BD}"/>
-              </a:ext>
-            </a:extLst>
-          </p:cNvPr>
-          <p:cNvSpPr txBox="1">
-            <a:spLocks/>
-          </p:cNvSpPr>
-          <p:nvPr/>
-        </p:nvSpPr>
-        <p:spPr>
-          <a:xfrm>
-            <a:off x="147506" y="188350"/>
-            <a:ext cx="10444294" cy="763530"/>
-          </a:xfrm>
-          <a:prstGeom prst="rect">
-            <a:avLst/>
-          </a:prstGeom>
-        </p:spPr>
-        <p:txBody>
-          <a:bodyPr>
-            <a:normAutofit fontScale="97500"/>
-          </a:bodyPr>
-          <a:lstStyle>
-            <a:lvl1pPr algn="l" defTabSz="914400" rtl="0" eaLnBrk="1" latinLnBrk="0" hangingPunct="1">
-              <a:lnSpc>
-                <a:spcPct val="85000"/>
-              </a:lnSpc>
-              <a:spcBef>
-                <a:spcPct val="0"/>
-              </a:spcBef>
-              <a:buNone/>
-              <a:defRPr sz="4800" kern="1200" spc="-50" baseline="0">
-                <a:solidFill>
-                  <a:schemeClr val="tx1">
-                    <a:lumMod val="75000"/>
-                    <a:lumOff val="25000"/>
-                  </a:schemeClr>
-                </a:solidFill>
-                <a:latin typeface="+mj-lt"/>
-                <a:ea typeface="+mj-ea"/>
-                <a:cs typeface="+mj-cs"/>
-              </a:defRPr>
-            </a:lvl1pPr>
-          </a:lstStyle>
-          <a:p>
-            <a:pPr marL="0" marR="0" lvl="0" indent="0" algn="ctr" defTabSz="914400" rtl="0" eaLnBrk="1" fontAlgn="auto" latinLnBrk="0" hangingPunct="1">
-              <a:lnSpc>
-                <a:spcPct val="85000"/>
-              </a:lnSpc>
-              <a:spcBef>
-                <a:spcPct val="0"/>
-              </a:spcBef>
-              <a:spcAft>
-                <a:spcPts val="0"/>
-              </a:spcAft>
-              <a:buClrTx/>
-              <a:buSzTx/>
-              <a:buFontTx/>
-              <a:buNone/>
-              <a:tabLst/>
-              <a:defRPr/>
-            </a:pPr>
-            <a:r>
-              <a:rPr kumimoji="0" lang="it-IT" sz="4800" b="0" i="0" u="none" strike="noStrike" kern="1200" cap="none" spc="-50" normalizeH="0" baseline="0" noProof="0" dirty="0" err="1">
-                <a:ln>
-                  <a:noFill/>
-                </a:ln>
-                <a:solidFill>
-                  <a:prstClr val="black">
-                    <a:lumMod val="75000"/>
-                    <a:lumOff val="25000"/>
-                  </a:prstClr>
-                </a:solidFill>
-                <a:effectLst/>
-                <a:uLnTx/>
-                <a:uFillTx/>
-                <a:latin typeface="Century Gothic" panose="020B0502020202020204"/>
-                <a:ea typeface="+mj-ea"/>
-                <a:cs typeface="+mj-cs"/>
-              </a:rPr>
-              <a:t>Conclusions</a:t>
-            </a:r>
-            <a:endParaRPr kumimoji="0" lang="it-IT" sz="4800" b="0" i="0" u="none" strike="noStrike" kern="1200" cap="none" spc="-50" normalizeH="0" baseline="0" noProof="0" dirty="0">
-              <a:ln>
-                <a:noFill/>
-              </a:ln>
-              <a:solidFill>
-                <a:prstClr val="black">
-                  <a:lumMod val="75000"/>
-                  <a:lumOff val="25000"/>
-                </a:prstClr>
-              </a:solidFill>
-              <a:effectLst/>
-              <a:uLnTx/>
-              <a:uFillTx/>
-              <a:latin typeface="Century Gothic" panose="020B0502020202020204"/>
-              <a:ea typeface="+mj-ea"/>
-              <a:cs typeface="+mj-cs"/>
-            </a:endParaRPr>
-          </a:p>
-        </p:txBody>
-      </p:sp>
-      <p:pic>
-        <p:nvPicPr>
-          <p:cNvPr id="7" name="Immagine 6">
-            <a:extLst>
-              <a:ext uri="{FF2B5EF4-FFF2-40B4-BE49-F238E27FC236}">
-                <a16:creationId xmlns:a16="http://schemas.microsoft.com/office/drawing/2014/main" id="{59BFF6A0-7218-40C0-B82F-AFBDFB4FD619}"/>
-              </a:ext>
-            </a:extLst>
-          </p:cNvPr>
-          <p:cNvPicPr>
-            <a:picLocks noChangeAspect="1"/>
-          </p:cNvPicPr>
-          <p:nvPr/>
-        </p:nvPicPr>
-        <p:blipFill>
-          <a:blip r:embed="rId3">
-            <a:extLst>
-              <a:ext uri="{28A0092B-C50C-407E-A947-70E740481C1C}">
-                <a14:useLocalDpi xmlns:a14="http://schemas.microsoft.com/office/drawing/2010/main" val="0"/>
-              </a:ext>
-            </a:extLst>
-          </a:blip>
-          <a:stretch>
-            <a:fillRect/>
-          </a:stretch>
-        </p:blipFill>
-        <p:spPr>
-          <a:xfrm>
-            <a:off x="553673" y="3911220"/>
-            <a:ext cx="5846719" cy="2912568"/>
-          </a:xfrm>
-          <a:prstGeom prst="rect">
-            <a:avLst/>
-          </a:prstGeom>
-        </p:spPr>
-      </p:pic>
-      <p:pic>
-        <p:nvPicPr>
-          <p:cNvPr id="9" name="Immagine 8">
-            <a:extLst>
-              <a:ext uri="{FF2B5EF4-FFF2-40B4-BE49-F238E27FC236}">
-                <a16:creationId xmlns:a16="http://schemas.microsoft.com/office/drawing/2014/main" id="{9AFF916B-A81C-484E-861C-8214C10547B2}"/>
-              </a:ext>
-            </a:extLst>
-          </p:cNvPr>
-          <p:cNvPicPr>
-            <a:picLocks noChangeAspect="1"/>
-          </p:cNvPicPr>
-          <p:nvPr/>
-        </p:nvPicPr>
-        <p:blipFill>
-          <a:blip r:embed="rId4">
-            <a:extLst>
-              <a:ext uri="{28A0092B-C50C-407E-A947-70E740481C1C}">
-                <a14:useLocalDpi xmlns:a14="http://schemas.microsoft.com/office/drawing/2010/main" val="0"/>
-              </a:ext>
-            </a:extLst>
-          </a:blip>
-          <a:stretch>
-            <a:fillRect/>
-          </a:stretch>
-        </p:blipFill>
-        <p:spPr>
-          <a:xfrm>
-            <a:off x="553673" y="998653"/>
-            <a:ext cx="5519956" cy="2912567"/>
+            <a:off x="1543625" y="1807138"/>
+            <a:ext cx="9104750" cy="4794998"/>
           </a:xfrm>
           <a:prstGeom prst="rect">
             <a:avLst/>
@@ -20424,10 +21710,10 @@
       </p:pic>
       <p:sp>
         <p:nvSpPr>
-          <p:cNvPr id="10" name="CasellaDiTesto 9">
+          <p:cNvPr id="7" name="CasellaDiTesto 6">
             <a:extLst>
               <a:ext uri="{FF2B5EF4-FFF2-40B4-BE49-F238E27FC236}">
-                <a16:creationId xmlns:a16="http://schemas.microsoft.com/office/drawing/2014/main" id="{9676D581-3A9C-4D03-83E1-B9D955F98F9D}"/>
+                <a16:creationId xmlns:a16="http://schemas.microsoft.com/office/drawing/2014/main" id="{34692C2A-73E6-48B8-966C-6B24B64144E4}"/>
               </a:ext>
             </a:extLst>
           </p:cNvPr>
@@ -20436,8 +21722,8 @@
         </p:nvSpPr>
         <p:spPr>
           <a:xfrm>
-            <a:off x="7022680" y="4255533"/>
-            <a:ext cx="3337421" cy="2223942"/>
+            <a:off x="0" y="1194843"/>
+            <a:ext cx="12192000" cy="369332"/>
           </a:xfrm>
           <a:prstGeom prst="rect">
             <a:avLst/>
@@ -20450,144 +21736,125 @@
           </a:bodyPr>
           <a:lstStyle/>
           <a:p>
-            <a:pPr>
-              <a:lnSpc>
-                <a:spcPct val="200000"/>
-              </a:lnSpc>
-            </a:pPr>
-            <a:r>
-              <a:rPr lang="it-IT" b="1" dirty="0">
-                <a:latin typeface="Times New Roman" panose="02020603050405020304" pitchFamily="18" charset="0"/>
-                <a:cs typeface="Times New Roman" panose="02020603050405020304" pitchFamily="18" charset="0"/>
-              </a:rPr>
-              <a:t>High Traffic Scenario</a:t>
-            </a:r>
-          </a:p>
-          <a:p>
-            <a:pPr>
-              <a:lnSpc>
-                <a:spcPct val="200000"/>
-              </a:lnSpc>
-            </a:pPr>
+            <a:pPr algn="ctr"/>
             <a:r>
               <a:rPr lang="it-IT" dirty="0">
                 <a:latin typeface="Times New Roman" panose="02020603050405020304" pitchFamily="18" charset="0"/>
                 <a:cs typeface="Times New Roman" panose="02020603050405020304" pitchFamily="18" charset="0"/>
               </a:rPr>
-              <a:t>N = 30;    C = 6;    p = 0.1</a:t>
-            </a:r>
-          </a:p>
-          <a:p>
-            <a:pPr>
-              <a:lnSpc>
-                <a:spcPct val="200000"/>
-              </a:lnSpc>
-            </a:pPr>
-            <a:r>
-              <a:rPr lang="it-IT" b="1" dirty="0">
+              <a:t>A: </a:t>
+            </a:r>
+            <a:r>
+              <a:rPr lang="it-IT" dirty="0" err="1">
                 <a:latin typeface="Times New Roman" panose="02020603050405020304" pitchFamily="18" charset="0"/>
                 <a:cs typeface="Times New Roman" panose="02020603050405020304" pitchFamily="18" charset="0"/>
               </a:rPr>
-              <a:t>Low Traffic Scenario</a:t>
-            </a:r>
-          </a:p>
-          <a:p>
-            <a:pPr>
-              <a:lnSpc>
-                <a:spcPct val="200000"/>
-              </a:lnSpc>
-            </a:pPr>
+              <a:t>Number</a:t>
+            </a:r>
             <a:r>
               <a:rPr lang="it-IT" dirty="0">
                 <a:latin typeface="Times New Roman" panose="02020603050405020304" pitchFamily="18" charset="0"/>
                 <a:cs typeface="Times New Roman" panose="02020603050405020304" pitchFamily="18" charset="0"/>
               </a:rPr>
-              <a:t>N = 5;    C = 100;    p=0.1 </a:t>
-            </a:r>
-          </a:p>
-        </p:txBody>
-      </p:sp>
-      <p:sp>
-        <p:nvSpPr>
-          <p:cNvPr id="11" name="CasellaDiTesto 10">
-            <a:extLst>
-              <a:ext uri="{FF2B5EF4-FFF2-40B4-BE49-F238E27FC236}">
-                <a16:creationId xmlns:a16="http://schemas.microsoft.com/office/drawing/2014/main" id="{A6F1A41E-73FA-4159-9FDB-73DBC1F193E6}"/>
-              </a:ext>
-            </a:extLst>
-          </p:cNvPr>
-          <p:cNvSpPr txBox="1"/>
-          <p:nvPr/>
-        </p:nvSpPr>
-        <p:spPr>
-          <a:xfrm>
-            <a:off x="7022680" y="1342965"/>
-            <a:ext cx="3282097" cy="2223942"/>
-          </a:xfrm>
-          <a:prstGeom prst="rect">
-            <a:avLst/>
-          </a:prstGeom>
-          <a:noFill/>
-        </p:spPr>
-        <p:txBody>
-          <a:bodyPr wrap="square" rtlCol="0">
-            <a:spAutoFit/>
-          </a:bodyPr>
-          <a:lstStyle/>
-          <a:p>
-            <a:pPr>
-              <a:lnSpc>
-                <a:spcPct val="200000"/>
-              </a:lnSpc>
-            </a:pPr>
-            <a:r>
-              <a:rPr lang="it-IT" b="1" dirty="0">
+              <a:t> of </a:t>
+            </a:r>
+            <a:r>
+              <a:rPr lang="it-IT" dirty="0" err="1">
                 <a:latin typeface="Times New Roman" panose="02020603050405020304" pitchFamily="18" charset="0"/>
                 <a:cs typeface="Times New Roman" panose="02020603050405020304" pitchFamily="18" charset="0"/>
               </a:rPr>
-              <a:t>High Traffic Scenario</a:t>
-            </a:r>
-          </a:p>
-          <a:p>
-            <a:pPr>
-              <a:lnSpc>
-                <a:spcPct val="200000"/>
-              </a:lnSpc>
-            </a:pPr>
+              <a:t>Couples</a:t>
+            </a:r>
             <a:r>
               <a:rPr lang="it-IT" dirty="0">
                 <a:latin typeface="Times New Roman" panose="02020603050405020304" pitchFamily="18" charset="0"/>
                 <a:cs typeface="Times New Roman" panose="02020603050405020304" pitchFamily="18" charset="0"/>
               </a:rPr>
-              <a:t>N = 30;    C = 6;    1/λ = 125ms</a:t>
-            </a:r>
-          </a:p>
-          <a:p>
-            <a:pPr>
-              <a:lnSpc>
-                <a:spcPct val="200000"/>
-              </a:lnSpc>
-            </a:pPr>
-            <a:r>
-              <a:rPr lang="it-IT" b="1" dirty="0">
+              <a:t> </a:t>
+            </a:r>
+            <a:r>
+              <a:rPr lang="it-IT" dirty="0" err="1">
                 <a:latin typeface="Times New Roman" panose="02020603050405020304" pitchFamily="18" charset="0"/>
                 <a:cs typeface="Times New Roman" panose="02020603050405020304" pitchFamily="18" charset="0"/>
               </a:rPr>
-              <a:t>Low Traffic Scenario</a:t>
-            </a:r>
-          </a:p>
-          <a:p>
-            <a:pPr>
-              <a:lnSpc>
-                <a:spcPct val="200000"/>
-              </a:lnSpc>
-            </a:pPr>
+              <a:t>Tx-Rx</a:t>
+            </a:r>
             <a:r>
               <a:rPr lang="it-IT" dirty="0">
                 <a:latin typeface="Times New Roman" panose="02020603050405020304" pitchFamily="18" charset="0"/>
                 <a:cs typeface="Times New Roman" panose="02020603050405020304" pitchFamily="18" charset="0"/>
               </a:rPr>
-              <a:t>N = 5;    C = 100;    1/λ = 125ms</a:t>
+              <a:t>;    B:Number of </a:t>
+            </a:r>
+            <a:r>
+              <a:rPr lang="it-IT" dirty="0" err="1">
+                <a:latin typeface="Times New Roman" panose="02020603050405020304" pitchFamily="18" charset="0"/>
+                <a:cs typeface="Times New Roman" panose="02020603050405020304" pitchFamily="18" charset="0"/>
+              </a:rPr>
+              <a:t>Channels</a:t>
+            </a:r>
+            <a:r>
+              <a:rPr lang="it-IT" dirty="0">
+                <a:latin typeface="Times New Roman" panose="02020603050405020304" pitchFamily="18" charset="0"/>
+                <a:cs typeface="Times New Roman" panose="02020603050405020304" pitchFamily="18" charset="0"/>
+              </a:rPr>
+              <a:t>;    C: </a:t>
+            </a:r>
+            <a:r>
+              <a:rPr lang="it-IT" dirty="0" err="1">
+                <a:latin typeface="Times New Roman" panose="02020603050405020304" pitchFamily="18" charset="0"/>
+                <a:cs typeface="Times New Roman" panose="02020603050405020304" pitchFamily="18" charset="0"/>
+              </a:rPr>
+              <a:t>Send</a:t>
+            </a:r>
+            <a:r>
+              <a:rPr lang="it-IT" dirty="0">
+                <a:latin typeface="Times New Roman" panose="02020603050405020304" pitchFamily="18" charset="0"/>
+                <a:cs typeface="Times New Roman" panose="02020603050405020304" pitchFamily="18" charset="0"/>
+              </a:rPr>
+              <a:t> </a:t>
+            </a:r>
+            <a:r>
+              <a:rPr lang="it-IT" dirty="0" err="1">
+                <a:latin typeface="Times New Roman" panose="02020603050405020304" pitchFamily="18" charset="0"/>
+                <a:cs typeface="Times New Roman" panose="02020603050405020304" pitchFamily="18" charset="0"/>
+              </a:rPr>
+              <a:t>Probability</a:t>
+            </a:r>
+            <a:r>
+              <a:rPr lang="it-IT" dirty="0">
+                <a:latin typeface="Times New Roman" panose="02020603050405020304" pitchFamily="18" charset="0"/>
+                <a:cs typeface="Times New Roman" panose="02020603050405020304" pitchFamily="18" charset="0"/>
+              </a:rPr>
+              <a:t>;    D: </a:t>
+            </a:r>
+            <a:r>
+              <a:rPr lang="it-IT" dirty="0" err="1">
+                <a:latin typeface="Times New Roman" panose="02020603050405020304" pitchFamily="18" charset="0"/>
+                <a:cs typeface="Times New Roman" panose="02020603050405020304" pitchFamily="18" charset="0"/>
+              </a:rPr>
+              <a:t>Mean</a:t>
+            </a:r>
+            <a:r>
+              <a:rPr lang="it-IT" dirty="0">
+                <a:latin typeface="Times New Roman" panose="02020603050405020304" pitchFamily="18" charset="0"/>
+                <a:cs typeface="Times New Roman" panose="02020603050405020304" pitchFamily="18" charset="0"/>
+              </a:rPr>
+              <a:t> Inter-</a:t>
+            </a:r>
+            <a:r>
+              <a:rPr lang="it-IT" dirty="0" err="1">
+                <a:latin typeface="Times New Roman" panose="02020603050405020304" pitchFamily="18" charset="0"/>
+                <a:cs typeface="Times New Roman" panose="02020603050405020304" pitchFamily="18" charset="0"/>
+              </a:rPr>
+              <a:t>Arrival</a:t>
+            </a:r>
+            <a:r>
+              <a:rPr lang="it-IT" dirty="0">
+                <a:latin typeface="Times New Roman" panose="02020603050405020304" pitchFamily="18" charset="0"/>
+                <a:cs typeface="Times New Roman" panose="02020603050405020304" pitchFamily="18" charset="0"/>
+              </a:rPr>
+              <a:t> time</a:t>
             </a:r>
           </a:p>
         </p:txBody>
@@ -20595,72 +21862,7 @@
     </p:spTree>
     <p:extLst>
       <p:ext uri="{BB962C8B-B14F-4D97-AF65-F5344CB8AC3E}">
-        <p14:creationId xmlns:p14="http://schemas.microsoft.com/office/powerpoint/2010/main" val="236619781"/>
-      </p:ext>
-    </p:extLst>
-  </p:cSld>
-  <p:clrMapOvr>
-    <a:masterClrMapping/>
-  </p:clrMapOvr>
-</p:sld>
-</file>
-
-<file path=ppt/slides/slide9.xml><?xml version="1.0" encoding="utf-8"?>
-<p:sld xmlns:a="http://schemas.openxmlformats.org/drawingml/2006/main" xmlns:r="http://schemas.openxmlformats.org/officeDocument/2006/relationships" xmlns:p="http://schemas.openxmlformats.org/presentationml/2006/main">
-  <p:cSld>
-    <p:spTree>
-      <p:nvGrpSpPr>
-        <p:cNvPr id="1" name=""/>
-        <p:cNvGrpSpPr/>
-        <p:nvPr/>
-      </p:nvGrpSpPr>
-      <p:grpSpPr>
-        <a:xfrm>
-          <a:off x="0" y="0"/>
-          <a:ext cx="0" cy="0"/>
-          <a:chOff x="0" y="0"/>
-          <a:chExt cx="0" cy="0"/>
-        </a:xfrm>
-      </p:grpSpPr>
-      <p:sp>
-        <p:nvSpPr>
-          <p:cNvPr id="2" name="CasellaDiTesto 1">
-            <a:extLst>
-              <a:ext uri="{FF2B5EF4-FFF2-40B4-BE49-F238E27FC236}">
-                <a16:creationId xmlns:a16="http://schemas.microsoft.com/office/drawing/2014/main" id="{53BC8220-6E48-4275-BFEE-CB108A1604F8}"/>
-              </a:ext>
-            </a:extLst>
-          </p:cNvPr>
-          <p:cNvSpPr txBox="1"/>
-          <p:nvPr/>
-        </p:nvSpPr>
-        <p:spPr>
-          <a:xfrm>
-            <a:off x="1241571" y="1761688"/>
-            <a:ext cx="6182686" cy="2800767"/>
-          </a:xfrm>
-          <a:prstGeom prst="rect">
-            <a:avLst/>
-          </a:prstGeom>
-          <a:noFill/>
-        </p:spPr>
-        <p:txBody>
-          <a:bodyPr wrap="square" rtlCol="0">
-            <a:spAutoFit/>
-          </a:bodyPr>
-          <a:lstStyle/>
-          <a:p>
-            <a:r>
-              <a:rPr lang="it-IT" sz="8800" dirty="0"/>
-              <a:t>SLIDES ULTERIORI</a:t>
-            </a:r>
-          </a:p>
-        </p:txBody>
-      </p:sp>
-    </p:spTree>
-    <p:extLst>
-      <p:ext uri="{BB962C8B-B14F-4D97-AF65-F5344CB8AC3E}">
-        <p14:creationId xmlns:p14="http://schemas.microsoft.com/office/powerpoint/2010/main" val="4204074553"/>
+        <p14:creationId xmlns:p14="http://schemas.microsoft.com/office/powerpoint/2010/main" val="592269258"/>
       </p:ext>
     </p:extLst>
   </p:cSld>

--- a/Project Presentation/ProjectPresentation.pptx
+++ b/Project Presentation/ProjectPresentation.pptx
@@ -116,6 +116,11 @@
       </a:defRPr>
     </a:lvl9pPr>
   </p:defaultTextStyle>
+  <p:extLst>
+    <p:ext uri="{EFAFB233-063F-42B5-8137-9DF3F51BA10A}">
+      <p15:sldGuideLst xmlns:p15="http://schemas.microsoft.com/office/powerpoint/2012/main"/>
+    </p:ext>
+  </p:extLst>
 </p:presentation>
 </file>
 
@@ -345,7 +350,7 @@
               <a:rPr lang="en-US" sz="1400" b="0" strike="noStrike" spc="-1">
                 <a:latin typeface="Times New Roman"/>
               </a:rPr>
-              <a:t>‹N›</a:t>
+              <a:t>‹#›</a:t>
             </a:fld>
             <a:endParaRPr lang="en-US" sz="1400" b="0" strike="noStrike" spc="-1">
               <a:latin typeface="Times New Roman"/>
@@ -1026,7 +1031,7 @@
                 </a:solidFill>
                 <a:latin typeface="Century Gothic"/>
               </a:rPr>
-              <a:t>‹N›</a:t>
+              <a:t>‹#›</a:t>
             </a:fld>
             <a:endParaRPr lang="en-US" sz="2800" b="0" strike="noStrike" spc="-1">
               <a:latin typeface="Times New Roman"/>
@@ -2120,7 +2125,7 @@
                 </a:solidFill>
                 <a:latin typeface="Century Gothic"/>
               </a:rPr>
-              <a:t>‹N›</a:t>
+              <a:t>‹#›</a:t>
             </a:fld>
             <a:endParaRPr lang="en-US" sz="2800" b="0" strike="noStrike" spc="-1">
               <a:latin typeface="Times New Roman"/>
@@ -3126,7 +3131,7 @@
                 </a:solidFill>
                 <a:latin typeface="Century Gothic"/>
               </a:rPr>
-              <a:t>‹N›</a:t>
+              <a:t>‹#›</a:t>
             </a:fld>
             <a:endParaRPr lang="en-US" sz="2800" b="0" strike="noStrike" spc="-1">
               <a:latin typeface="Times New Roman"/>
@@ -4286,7 +4291,7 @@
                 </a:solidFill>
                 <a:latin typeface="Century Gothic"/>
               </a:rPr>
-              <a:t>‹N›</a:t>
+              <a:t>‹#›</a:t>
             </a:fld>
             <a:endParaRPr lang="en-US" sz="2800" b="0" strike="noStrike" spc="-1">
               <a:latin typeface="Times New Roman"/>
@@ -5345,7 +5350,7 @@
                 </a:solidFill>
                 <a:latin typeface="Century Gothic"/>
               </a:rPr>
-              <a:t>‹N›</a:t>
+              <a:t>‹#›</a:t>
             </a:fld>
             <a:endParaRPr lang="en-US" sz="2800" b="0" strike="noStrike" spc="-1">
               <a:latin typeface="Times New Roman"/>
@@ -5995,7 +6000,7 @@
                 </a:solidFill>
                 <a:latin typeface="Century Gothic"/>
               </a:rPr>
-              <a:t>‹N›</a:t>
+              <a:t>‹#›</a:t>
             </a:fld>
             <a:endParaRPr lang="en-US" sz="2800" b="0" strike="noStrike" spc="-1">
               <a:latin typeface="Times New Roman"/>
@@ -6887,7 +6892,7 @@
                 </a:solidFill>
                 <a:latin typeface="Century Gothic"/>
               </a:rPr>
-              <a:t>‹N›</a:t>
+              <a:t>‹#›</a:t>
             </a:fld>
             <a:endParaRPr lang="en-US" sz="2800" b="0" strike="noStrike" spc="-1">
               <a:latin typeface="Times New Roman"/>
@@ -7098,7 +7103,7 @@
                 </a:solidFill>
                 <a:latin typeface="Century Gothic"/>
               </a:rPr>
-              <a:t>‹N›</a:t>
+              <a:t>‹#›</a:t>
             </a:fld>
             <a:endParaRPr lang="en-US" sz="2800" b="0" strike="noStrike" spc="-1">
               <a:latin typeface="Times New Roman"/>
@@ -8132,7 +8137,7 @@
                 </a:solidFill>
                 <a:latin typeface="Century Gothic"/>
               </a:rPr>
-              <a:t>‹N›</a:t>
+              <a:t>‹#›</a:t>
             </a:fld>
             <a:endParaRPr lang="en-US" sz="2800" b="0" strike="noStrike" spc="-1">
               <a:latin typeface="Times New Roman"/>
@@ -8333,7 +8338,7 @@
                 </a:solidFill>
                 <a:latin typeface="Century Gothic"/>
               </a:rPr>
-              <a:t>‹N›</a:t>
+              <a:t>‹#›</a:t>
             </a:fld>
             <a:endParaRPr lang="en-US" sz="2800" b="0" strike="noStrike" spc="-1">
               <a:latin typeface="Times New Roman"/>
@@ -9429,7 +9434,7 @@
                 </a:solidFill>
                 <a:latin typeface="Century Gothic"/>
               </a:rPr>
-              <a:t>‹N›</a:t>
+              <a:t>‹#›</a:t>
             </a:fld>
             <a:endParaRPr lang="en-US" sz="2800" b="0" strike="noStrike" spc="-1">
               <a:latin typeface="Times New Roman"/>
@@ -9691,7 +9696,7 @@
                 </a:solidFill>
                 <a:latin typeface="Century Gothic"/>
               </a:rPr>
-              <a:t>‹N›</a:t>
+              <a:t>‹#›</a:t>
             </a:fld>
             <a:endParaRPr lang="en-US" sz="2800" b="0" strike="noStrike" spc="-1">
               <a:latin typeface="Times New Roman"/>
@@ -10127,7 +10132,7 @@
                 </a:solidFill>
                 <a:latin typeface="Century Gothic"/>
               </a:rPr>
-              <a:t>‹N›</a:t>
+              <a:t>‹#›</a:t>
             </a:fld>
             <a:endParaRPr lang="en-US" sz="2800" b="0" strike="noStrike" spc="-1">
               <a:latin typeface="Times New Roman"/>
@@ -10280,7 +10285,7 @@
                 </a:solidFill>
                 <a:latin typeface="Century Gothic"/>
               </a:rPr>
-              <a:t>‹N›</a:t>
+              <a:t>‹#›</a:t>
             </a:fld>
             <a:endParaRPr lang="en-US" sz="2800" b="0" strike="noStrike" spc="-1">
               <a:latin typeface="Times New Roman"/>
@@ -10437,7 +10442,7 @@
                 </a:solidFill>
                 <a:latin typeface="Century Gothic"/>
               </a:rPr>
-              <a:t>‹N›</a:t>
+              <a:t>‹#›</a:t>
             </a:fld>
             <a:endParaRPr lang="en-US" sz="2800" b="0" strike="noStrike" spc="-1">
               <a:latin typeface="Times New Roman"/>
@@ -11544,7 +11549,7 @@
                 </a:solidFill>
                 <a:latin typeface="Century Gothic"/>
               </a:rPr>
-              <a:t>‹N›</a:t>
+              <a:t>‹#›</a:t>
             </a:fld>
             <a:endParaRPr lang="en-US" sz="2800" b="0" strike="noStrike" spc="-1">
               <a:latin typeface="Times New Roman"/>
@@ -12678,7 +12683,7 @@
                 </a:solidFill>
                 <a:latin typeface="Century Gothic"/>
               </a:rPr>
-              <a:t>‹N›</a:t>
+              <a:t>‹#›</a:t>
             </a:fld>
             <a:endParaRPr lang="en-US" sz="2800" b="0" strike="noStrike" spc="-1">
               <a:latin typeface="Times New Roman"/>
@@ -13733,7 +13738,7 @@
                 </a:solidFill>
                 <a:latin typeface="Century Gothic"/>
               </a:rPr>
-              <a:t>‹N›</a:t>
+              <a:t>‹#›</a:t>
             </a:fld>
             <a:endParaRPr lang="en-US" sz="2800" b="0" strike="noStrike" spc="-1">
               <a:latin typeface="Times New Roman"/>
@@ -14579,8 +14584,8 @@
           </a:p>
         </p:txBody>
       </p:sp>
-      <mc:AlternateContent xmlns:mc="http://schemas.openxmlformats.org/markup-compatibility/2006">
-        <mc:Choice xmlns:a14="http://schemas.microsoft.com/office/drawing/2010/main" Requires="a14">
+      <mc:AlternateContent xmlns:mc="http://schemas.openxmlformats.org/markup-compatibility/2006" xmlns:a14="http://schemas.microsoft.com/office/drawing/2010/main">
+        <mc:Choice Requires="a14">
           <p:sp>
             <p:nvSpPr>
               <p:cNvPr id="135" name="CustomShape 3"/>
@@ -15138,7 +15143,7 @@
             </p:txBody>
           </p:sp>
         </mc:Choice>
-        <mc:Fallback>
+        <mc:Fallback xmlns="">
           <p:sp>
             <p:nvSpPr>
               <p:cNvPr id="135" name="CustomShape 3"/>
@@ -16044,8 +16049,8 @@
           </a:p>
         </p:txBody>
       </p:sp>
-      <mc:AlternateContent xmlns:mc="http://schemas.openxmlformats.org/markup-compatibility/2006">
-        <mc:Choice xmlns:a14="http://schemas.microsoft.com/office/drawing/2010/main" Requires="a14">
+      <mc:AlternateContent xmlns:mc="http://schemas.openxmlformats.org/markup-compatibility/2006" xmlns:a14="http://schemas.microsoft.com/office/drawing/2010/main">
+        <mc:Choice Requires="a14">
           <p:sp>
             <p:nvSpPr>
               <p:cNvPr id="68" name="CustomShape 5"/>
@@ -16245,7 +16250,7 @@
             </p:txBody>
           </p:sp>
         </mc:Choice>
-        <mc:Fallback>
+        <mc:Fallback xmlns="">
           <p:sp>
             <p:nvSpPr>
               <p:cNvPr id="68" name="CustomShape 5"/>
@@ -17795,8 +17800,8 @@
           </a:p>
         </p:txBody>
       </p:sp>
-      <mc:AlternateContent xmlns:mc="http://schemas.openxmlformats.org/markup-compatibility/2006">
-        <mc:Choice xmlns:a14="http://schemas.microsoft.com/office/drawing/2010/main" Requires="a14">
+      <mc:AlternateContent xmlns:mc="http://schemas.openxmlformats.org/markup-compatibility/2006" xmlns:a14="http://schemas.microsoft.com/office/drawing/2010/main">
+        <mc:Choice Requires="a14">
           <p:sp>
             <p:nvSpPr>
               <p:cNvPr id="97" name="CustomShape 4"/>
@@ -18052,7 +18057,7 @@
             </p:txBody>
           </p:sp>
         </mc:Choice>
-        <mc:Fallback>
+        <mc:Fallback xmlns="">
           <p:sp>
             <p:nvSpPr>
               <p:cNvPr id="97" name="CustomShape 4"/>
@@ -18162,15 +18167,42 @@
               </a:lnSpc>
             </a:pPr>
             <a:r>
-              <a:rPr lang="it-IT" sz="4400" b="0" strike="noStrike" spc="-52">
+              <a:rPr lang="it-IT" sz="4400" b="0" strike="noStrike" spc="-52" dirty="0" err="1">
                 <a:solidFill>
                   <a:srgbClr val="404040"/>
                 </a:solidFill>
                 <a:latin typeface="Century Gothic"/>
               </a:rPr>
-              <a:t>Response Time Explosion Scenario</a:t>
+              <a:t>Response</a:t>
             </a:r>
-            <a:endParaRPr lang="en-US" sz="4400" b="0" strike="noStrike" spc="-1">
+            <a:r>
+              <a:rPr lang="it-IT" sz="4400" b="0" strike="noStrike" spc="-52" dirty="0">
+                <a:solidFill>
+                  <a:srgbClr val="404040"/>
+                </a:solidFill>
+                <a:latin typeface="Century Gothic"/>
+              </a:rPr>
+              <a:t> Time </a:t>
+            </a:r>
+            <a:r>
+              <a:rPr lang="it-IT" sz="4400" b="0" strike="noStrike" spc="-52" dirty="0" err="1">
+                <a:solidFill>
+                  <a:srgbClr val="404040"/>
+                </a:solidFill>
+                <a:latin typeface="Century Gothic"/>
+              </a:rPr>
+              <a:t>Explosion</a:t>
+            </a:r>
+            <a:r>
+              <a:rPr lang="it-IT" sz="4400" b="0" strike="noStrike" spc="-52" dirty="0">
+                <a:solidFill>
+                  <a:srgbClr val="404040"/>
+                </a:solidFill>
+                <a:latin typeface="Century Gothic"/>
+              </a:rPr>
+              <a:t> Scenario</a:t>
+            </a:r>
+            <a:endParaRPr lang="en-US" sz="4400" b="0" strike="noStrike" spc="-1" dirty="0">
               <a:latin typeface="Arial"/>
             </a:endParaRPr>
           </a:p>
@@ -18241,7 +18273,7 @@
             <p:spPr>
               <a:xfrm>
                 <a:off x="495000" y="997920"/>
-                <a:ext cx="4069800" cy="5442280"/>
+                <a:ext cx="4069800" cy="4334285"/>
               </a:xfrm>
               <a:prstGeom prst="rect">
                 <a:avLst/>
@@ -18354,7 +18386,61 @@
                     </a:solidFill>
                     <a:latin typeface="Times New Roman"/>
                   </a:rPr>
-                  <a:t> vs </a:t>
+                  <a:t> Channe</a:t>
+                </a:r>
+                <a:r>
+                  <a:rPr lang="it-IT" spc="-1" dirty="0">
+                    <a:solidFill>
+                      <a:srgbClr val="404040"/>
+                    </a:solidFill>
+                    <a:latin typeface="Times New Roman"/>
+                  </a:rPr>
+                  <a:t>l </a:t>
+                </a:r>
+                <a:r>
+                  <a:rPr lang="it-IT" spc="-1" dirty="0" err="1">
+                    <a:solidFill>
+                      <a:srgbClr val="404040"/>
+                    </a:solidFill>
+                    <a:latin typeface="Times New Roman"/>
+                  </a:rPr>
+                  <a:t>if</a:t>
+                </a:r>
+                <a:r>
+                  <a:rPr lang="it-IT" spc="-1" dirty="0">
+                    <a:solidFill>
+                      <a:srgbClr val="404040"/>
+                    </a:solidFill>
+                    <a:latin typeface="Times New Roman"/>
+                  </a:rPr>
+                  <a:t> </a:t>
+                </a:r>
+                <a:r>
+                  <a:rPr lang="it-IT" spc="-1" dirty="0" err="1">
+                    <a:solidFill>
+                      <a:srgbClr val="404040"/>
+                    </a:solidFill>
+                    <a:latin typeface="Times New Roman"/>
+                  </a:rPr>
+                  <a:t>Collision</a:t>
+                </a:r>
+                <a:r>
+                  <a:rPr lang="it-IT" spc="-1" dirty="0">
+                    <a:solidFill>
+                      <a:srgbClr val="404040"/>
+                    </a:solidFill>
+                    <a:latin typeface="Times New Roman"/>
+                  </a:rPr>
+                  <a:t> </a:t>
+                </a:r>
+                <a:r>
+                  <a:rPr lang="it-IT" sz="1800" b="0" strike="noStrike" spc="-1" dirty="0">
+                    <a:solidFill>
+                      <a:srgbClr val="404040"/>
+                    </a:solidFill>
+                    <a:latin typeface="Times New Roman"/>
+                  </a:rPr>
+                  <a:t>vs </a:t>
                 </a:r>
                 <a:r>
                   <a:rPr lang="it-IT" sz="1800" b="0" strike="noStrike" spc="-1" dirty="0" err="1">
@@ -18383,9 +18469,6 @@
                   </a:rPr>
                   <a:t> </a:t>
                 </a:r>
-                <a:endParaRPr lang="en-US" sz="1800" b="0" strike="noStrike" spc="-1" dirty="0">
-                  <a:latin typeface="Arial"/>
-                </a:endParaRPr>
               </a:p>
               <a:p>
                 <a:pPr marL="285840" indent="-285480">
@@ -18425,7 +18508,25 @@
                   </a:rPr>
                   <a:t>Couples</a:t>
                 </a:r>
-                <a:endParaRPr lang="en-US" sz="1800" b="0" strike="noStrike" spc="-1" dirty="0">
+                <a:r>
+                  <a:rPr lang="it-IT" sz="1800" b="0" strike="noStrike" spc="-1" dirty="0">
+                    <a:solidFill>
+                      <a:srgbClr val="000000"/>
+                    </a:solidFill>
+                    <a:latin typeface="Times New Roman"/>
+                  </a:rPr>
+                  <a:t> </a:t>
+                </a:r>
+                <a:r>
+                  <a:rPr lang="it-IT" sz="1800" b="1" strike="noStrike" spc="-1" dirty="0">
+                    <a:solidFill>
+                      <a:srgbClr val="000000"/>
+                    </a:solidFill>
+                    <a:latin typeface="Times New Roman"/>
+                  </a:rPr>
+                  <a:t>N</a:t>
+                </a:r>
+                <a:endParaRPr lang="en-US" sz="1800" b="1" strike="noStrike" spc="-1" dirty="0">
                   <a:latin typeface="Arial"/>
                 </a:endParaRPr>
               </a:p>
@@ -18592,6 +18693,18 @@
                   </a:rPr>
                   <a:t> </a:t>
                 </a:r>
+                <a:r>
+                  <a:rPr lang="it-IT" sz="1800" b="0" strike="noStrike" spc="-1" dirty="0">
+                    <a:solidFill>
+                      <a:srgbClr val="000000"/>
+                    </a:solidFill>
+                    <a:latin typeface="Times New Roman"/>
+                  </a:rPr>
+                  <a:t>  </a:t>
+                </a:r>
+                <a:endParaRPr lang="en-US" sz="1800" b="0" strike="noStrike" spc="-1" dirty="0">
+                  <a:latin typeface="Arial"/>
+                </a:endParaRPr>
               </a:p>
               <a:p>
                 <a:pPr marL="285840" indent="-285480">
@@ -18611,7 +18724,7 @@
                     </a:solidFill>
                     <a:latin typeface="Times New Roman"/>
                   </a:rPr>
-                  <a:t>Number</a:t>
+                  <a:t>Send</a:t>
                 </a:r>
                 <a:r>
                   <a:rPr lang="it-IT" sz="1800" b="0" strike="noStrike" spc="-1" dirty="0">
@@ -18620,7 +18733,7 @@
                     </a:solidFill>
                     <a:latin typeface="Times New Roman"/>
                   </a:rPr>
-                  <a:t> of </a:t>
+                  <a:t> </a:t>
                 </a:r>
                 <a:r>
                   <a:rPr lang="it-IT" sz="1800" b="0" strike="noStrike" spc="-1" dirty="0" err="1">
@@ -18629,7 +18742,70 @@
                     </a:solidFill>
                     <a:latin typeface="Times New Roman"/>
                   </a:rPr>
-                  <a:t>Channels</a:t>
+                  <a:t>Probability</a:t>
+                </a:r>
+                <a:r>
+                  <a:rPr lang="it-IT" sz="1800" b="0" strike="noStrike" spc="-1" dirty="0">
+                    <a:solidFill>
+                      <a:srgbClr val="000000"/>
+                    </a:solidFill>
+                    <a:latin typeface="Times New Roman"/>
+                  </a:rPr>
+                  <a:t> </a:t>
+                </a:r>
+                <a:r>
+                  <a:rPr lang="it-IT" sz="1800" b="1" strike="noStrike" spc="-1" dirty="0">
+                    <a:solidFill>
+                      <a:srgbClr val="000000"/>
+                    </a:solidFill>
+                    <a:latin typeface="Times New Roman"/>
+                  </a:rPr>
+                  <a:t>p</a:t>
+                </a:r>
+                <a:r>
+                  <a:rPr lang="it-IT" sz="1800" b="0" strike="noStrike" spc="-1" dirty="0">
+                    <a:solidFill>
+                      <a:srgbClr val="000000"/>
+                    </a:solidFill>
+                    <a:latin typeface="Times New Roman"/>
+                  </a:rPr>
+                  <a:t> (</a:t>
+                </a:r>
+                <a:r>
+                  <a:rPr lang="it-IT" sz="1800" b="0" strike="noStrike" spc="-1" dirty="0" err="1">
+                    <a:solidFill>
+                      <a:srgbClr val="000000"/>
+                    </a:solidFill>
+                    <a:latin typeface="Times New Roman"/>
+                  </a:rPr>
+                  <a:t>simple</a:t>
+                </a:r>
+                <a:r>
+                  <a:rPr lang="it-IT" sz="1800" b="0" strike="noStrike" spc="-1" dirty="0">
+                    <a:solidFill>
+                      <a:srgbClr val="000000"/>
+                    </a:solidFill>
+                    <a:latin typeface="Times New Roman"/>
+                  </a:rPr>
+                  <a:t> to </a:t>
+                </a:r>
+                <a:r>
+                  <a:rPr lang="it-IT" sz="1800" b="0" strike="noStrike" spc="-1" dirty="0" err="1">
+                    <a:solidFill>
+                      <a:srgbClr val="000000"/>
+                    </a:solidFill>
+                    <a:latin typeface="Times New Roman"/>
+                  </a:rPr>
+                  <a:t>tune</a:t>
+                </a:r>
+                <a:r>
+                  <a:rPr lang="it-IT" sz="1800" b="0" strike="noStrike" spc="-1" dirty="0">
+                    <a:solidFill>
+                      <a:srgbClr val="000000"/>
+                    </a:solidFill>
+                    <a:latin typeface="Times New Roman"/>
+                  </a:rPr>
+                  <a:t>)</a:t>
                 </a:r>
                 <a:endParaRPr lang="en-US" sz="1800" b="0" strike="noStrike" spc="-1" dirty="0">
                   <a:latin typeface="Arial"/>
@@ -18653,7 +18829,7 @@
                     </a:solidFill>
                     <a:latin typeface="Times New Roman"/>
                   </a:rPr>
-                  <a:t>9.218% vs 10.71%</a:t>
+                  <a:t>4.684% vs 4.207%</a:t>
                 </a:r>
                 <a:endParaRPr lang="en-US" sz="1800" b="0" strike="noStrike" spc="-1" dirty="0">
                   <a:latin typeface="Arial"/>
@@ -18702,7 +18878,7 @@
                             </a:solidFill>
                             <a:latin typeface="Cambria Math" panose="02040503050406030204" pitchFamily="18" charset="0"/>
                           </a:rPr>
-                          <m:t>𝐵</m:t>
+                          <m:t>𝐶</m:t>
                         </m:r>
                       </m:sub>
                     </m:sSub>
@@ -18740,7 +18916,7 @@
                         </a:solidFill>
                         <a:latin typeface="Cambria Math" panose="02040503050406030204" pitchFamily="18" charset="0"/>
                       </a:rPr>
-                      <m:t>432</m:t>
+                      <m:t>308</m:t>
                     </m:r>
                   </m:oMath>
                 </a14:m>
@@ -18795,198 +18971,7 @@
                             </a:solidFill>
                             <a:latin typeface="Cambria Math" panose="02040503050406030204" pitchFamily="18" charset="0"/>
                           </a:rPr>
-                          <m:t>𝐵</m:t>
-                        </m:r>
-                      </m:sub>
-                    </m:sSub>
-                    <m:r>
-                      <a:rPr lang="it-IT" i="1" spc="-1">
-                        <a:solidFill>
-                          <a:srgbClr val="000000"/>
-                        </a:solidFill>
-                        <a:latin typeface="Cambria Math" panose="02040503050406030204" pitchFamily="18" charset="0"/>
-                      </a:rPr>
-                      <m:t>=</m:t>
-                    </m:r>
-                    <m:r>
-                      <a:rPr lang="it-IT" b="0" i="1" spc="-1" smtClean="0">
-                        <a:solidFill>
-                          <a:srgbClr val="000000"/>
-                        </a:solidFill>
-                        <a:latin typeface="Cambria Math" panose="02040503050406030204" pitchFamily="18" charset="0"/>
-                      </a:rPr>
-                      <m:t>0.464</m:t>
-                    </m:r>
-                  </m:oMath>
-                </a14:m>
-                <a:r>
-                  <a:rPr lang="it-IT" sz="1800" b="0" strike="noStrike" spc="-1" dirty="0">
-                    <a:solidFill>
-                      <a:srgbClr val="000000"/>
-                    </a:solidFill>
-                    <a:latin typeface="Times New Roman"/>
-                  </a:rPr>
-                  <a:t>  </a:t>
-                </a:r>
-                <a:endParaRPr lang="en-US" sz="1800" b="0" strike="noStrike" spc="-1" dirty="0">
-                  <a:latin typeface="Arial"/>
-                </a:endParaRPr>
-              </a:p>
-              <a:p>
-                <a:pPr marL="285840" indent="-285480">
-                  <a:lnSpc>
-                    <a:spcPct val="250000"/>
-                  </a:lnSpc>
-                  <a:buClr>
-                    <a:srgbClr val="000000"/>
-                  </a:buClr>
-                  <a:buFont typeface="Arial"/>
-                  <a:buChar char="•"/>
-                </a:pPr>
-                <a:r>
-                  <a:rPr lang="it-IT" sz="1800" b="0" strike="noStrike" spc="-1" dirty="0" err="1">
-                    <a:solidFill>
-                      <a:srgbClr val="000000"/>
-                    </a:solidFill>
-                    <a:latin typeface="Times New Roman"/>
-                  </a:rPr>
-                  <a:t>Jointly</a:t>
-                </a:r>
-                <a:r>
-                  <a:rPr lang="it-IT" sz="1800" b="0" strike="noStrike" spc="-1" dirty="0">
-                    <a:solidFill>
-                      <a:srgbClr val="000000"/>
-                    </a:solidFill>
-                    <a:latin typeface="Times New Roman"/>
-                  </a:rPr>
-                  <a:t> </a:t>
-                </a:r>
-                <a:r>
-                  <a:rPr lang="it-IT" sz="1800" b="0" strike="noStrike" spc="-1" dirty="0" err="1">
-                    <a:solidFill>
-                      <a:srgbClr val="000000"/>
-                    </a:solidFill>
-                    <a:latin typeface="Times New Roman"/>
-                  </a:rPr>
-                  <a:t>effect</a:t>
-                </a:r>
-                <a:r>
-                  <a:rPr lang="it-IT" sz="1800" b="0" strike="noStrike" spc="-1" dirty="0">
-                    <a:solidFill>
-                      <a:srgbClr val="000000"/>
-                    </a:solidFill>
-                    <a:latin typeface="Times New Roman"/>
-                  </a:rPr>
-                  <a:t> of </a:t>
-                </a:r>
-                <a:r>
-                  <a:rPr lang="it-IT" sz="1800" b="0" strike="noStrike" spc="-1" dirty="0" err="1">
-                    <a:solidFill>
-                      <a:srgbClr val="000000"/>
-                    </a:solidFill>
-                    <a:latin typeface="Times New Roman"/>
-                  </a:rPr>
-                  <a:t>Tx</a:t>
-                </a:r>
-                <a:r>
-                  <a:rPr lang="it-IT" sz="1800" b="0" strike="noStrike" spc="-1" dirty="0">
-                    <a:solidFill>
-                      <a:srgbClr val="000000"/>
-                    </a:solidFill>
-                    <a:latin typeface="Times New Roman"/>
-                  </a:rPr>
-                  <a:t> and </a:t>
-                </a:r>
-                <a:r>
-                  <a:rPr lang="it-IT" sz="1800" b="0" strike="noStrike" spc="-1" dirty="0" err="1">
-                    <a:solidFill>
-                      <a:srgbClr val="000000"/>
-                    </a:solidFill>
-                    <a:latin typeface="Times New Roman"/>
-                  </a:rPr>
-                  <a:t>Channels</a:t>
-                </a:r>
-                <a:endParaRPr lang="en-US" sz="1800" b="0" strike="noStrike" spc="-1" dirty="0">
-                  <a:latin typeface="Arial"/>
-                </a:endParaRPr>
-              </a:p>
-              <a:p>
-                <a:pPr marL="743040" lvl="1" indent="-285480">
-                  <a:lnSpc>
-                    <a:spcPct val="150000"/>
-                  </a:lnSpc>
-                  <a:buClr>
-                    <a:srgbClr val="000000"/>
-                  </a:buClr>
-                  <a:buFont typeface="Arial"/>
-                  <a:buChar char="•"/>
-                </a:pPr>
-                <a:r>
-                  <a:rPr lang="it-IT" sz="1800" b="0" strike="noStrike" spc="-1" dirty="0">
-                    <a:solidFill>
-                      <a:srgbClr val="000000"/>
-                    </a:solidFill>
-                    <a:latin typeface="Times New Roman"/>
-                  </a:rPr>
-                  <a:t>9.004% vs 10.47%</a:t>
-                </a:r>
-                <a:endParaRPr lang="en-US" sz="1800" b="0" strike="noStrike" spc="-1" dirty="0">
-                  <a:latin typeface="Arial"/>
-                </a:endParaRPr>
-              </a:p>
-              <a:p>
-                <a:pPr marL="743040" lvl="1" indent="-285480">
-                  <a:lnSpc>
-                    <a:spcPct val="150000"/>
-                  </a:lnSpc>
-                  <a:buClr>
-                    <a:srgbClr val="000000"/>
-                  </a:buClr>
-                  <a:buFont typeface="Arial"/>
-                  <a:buChar char="•"/>
-                </a:pPr>
-                <a14:m>
-                  <m:oMath xmlns:m="http://schemas.openxmlformats.org/officeDocument/2006/math">
-                    <m:sSub>
-                      <m:sSubPr>
-                        <m:ctrlPr>
-                          <a:rPr lang="it-IT" i="1" spc="-1">
-                            <a:solidFill>
-                              <a:srgbClr val="000000"/>
-                            </a:solidFill>
-                            <a:latin typeface="Cambria Math" panose="02040503050406030204" pitchFamily="18" charset="0"/>
-                          </a:rPr>
-                        </m:ctrlPr>
-                      </m:sSubPr>
-                      <m:e>
-                        <m:r>
-                          <a:rPr lang="it-IT" i="1" spc="-1">
-                            <a:solidFill>
-                              <a:srgbClr val="000000"/>
-                            </a:solidFill>
-                            <a:latin typeface="Cambria Math" panose="02040503050406030204" pitchFamily="18" charset="0"/>
-                          </a:rPr>
-                          <m:t>𝑞</m:t>
-                        </m:r>
-                      </m:e>
-                      <m:sub>
-                        <m:r>
-                          <a:rPr lang="it-IT" i="1" spc="-1">
-                            <a:solidFill>
-                              <a:srgbClr val="000000"/>
-                            </a:solidFill>
-                            <a:latin typeface="Cambria Math" panose="02040503050406030204" pitchFamily="18" charset="0"/>
-                          </a:rPr>
-                          <m:t>𝐴</m:t>
-                        </m:r>
-                        <m:r>
-                          <a:rPr lang="it-IT" b="0" i="1" spc="-1" smtClean="0">
-                            <a:solidFill>
-                              <a:srgbClr val="000000"/>
-                            </a:solidFill>
-                            <a:latin typeface="Cambria Math" panose="02040503050406030204" pitchFamily="18" charset="0"/>
-                          </a:rPr>
-                          <m:t>𝐵</m:t>
+                          <m:t>𝐶</m:t>
                         </m:r>
                       </m:sub>
                     </m:sSub>
@@ -19024,109 +19009,7 @@
                         </a:solidFill>
                         <a:latin typeface="Cambria Math" panose="02040503050406030204" pitchFamily="18" charset="0"/>
                       </a:rPr>
-                      <m:t>427</m:t>
-                    </m:r>
-                  </m:oMath>
-                </a14:m>
-                <a:r>
-                  <a:rPr lang="en-US" spc="-1" dirty="0">
-                    <a:latin typeface="Arial"/>
-                  </a:rPr>
-                  <a:t> </a:t>
-                </a:r>
-                <a:r>
-                  <a:rPr lang="en-US" spc="-1" dirty="0">
-                    <a:latin typeface="Times New Roman" panose="02020603050405020304" pitchFamily="18" charset="0"/>
-                    <a:cs typeface="Times New Roman" panose="02020603050405020304" pitchFamily="18" charset="0"/>
-                  </a:rPr>
-                  <a:t>vs</a:t>
-                </a:r>
-                <a:r>
-                  <a:rPr lang="en-US" spc="-1" dirty="0">
-                    <a:latin typeface="Arial"/>
-                  </a:rPr>
-                  <a:t> </a:t>
-                </a:r>
-                <a14:m>
-                  <m:oMath xmlns:m="http://schemas.openxmlformats.org/officeDocument/2006/math">
-                    <m:sSub>
-                      <m:sSubPr>
-                        <m:ctrlPr>
-                          <a:rPr lang="it-IT" i="1" spc="-1">
-                            <a:solidFill>
-                              <a:srgbClr val="000000"/>
-                            </a:solidFill>
-                            <a:latin typeface="Cambria Math" panose="02040503050406030204" pitchFamily="18" charset="0"/>
-                          </a:rPr>
-                        </m:ctrlPr>
-                      </m:sSubPr>
-                      <m:e>
-                        <m:r>
-                          <a:rPr lang="it-IT" i="1" spc="-1">
-                            <a:solidFill>
-                              <a:srgbClr val="000000"/>
-                            </a:solidFill>
-                            <a:latin typeface="Cambria Math" panose="02040503050406030204" pitchFamily="18" charset="0"/>
-                          </a:rPr>
-                          <m:t>𝑞</m:t>
-                        </m:r>
-                      </m:e>
-                      <m:sub>
-                        <m:r>
-                          <a:rPr lang="it-IT" i="1" spc="-1">
-                            <a:solidFill>
-                              <a:srgbClr val="000000"/>
-                            </a:solidFill>
-                            <a:latin typeface="Cambria Math" panose="02040503050406030204" pitchFamily="18" charset="0"/>
-                          </a:rPr>
-                          <m:t>𝐴</m:t>
-                        </m:r>
-                        <m:r>
-                          <a:rPr lang="it-IT" b="0" i="1" spc="-1" smtClean="0">
-                            <a:solidFill>
-                              <a:srgbClr val="000000"/>
-                            </a:solidFill>
-                            <a:latin typeface="Cambria Math" panose="02040503050406030204" pitchFamily="18" charset="0"/>
-                          </a:rPr>
-                          <m:t>𝐵</m:t>
-                        </m:r>
-                      </m:sub>
-                    </m:sSub>
-                    <m:r>
-                      <a:rPr lang="it-IT" i="1" spc="-1">
-                        <a:solidFill>
-                          <a:srgbClr val="000000"/>
-                        </a:solidFill>
-                        <a:latin typeface="Cambria Math" panose="02040503050406030204" pitchFamily="18" charset="0"/>
-                      </a:rPr>
-                      <m:t>=</m:t>
-                    </m:r>
-                    <m:r>
-                      <a:rPr lang="it-IT" b="0" i="1" spc="-1" smtClean="0">
-                        <a:solidFill>
-                          <a:srgbClr val="000000"/>
-                        </a:solidFill>
-                        <a:latin typeface="Cambria Math" panose="02040503050406030204" pitchFamily="18" charset="0"/>
-                      </a:rPr>
-                      <m:t>0</m:t>
-                    </m:r>
-                    <m:r>
-                      <a:rPr lang="it-IT" i="1" spc="-1">
-                        <a:solidFill>
-                          <a:srgbClr val="000000"/>
-                        </a:solidFill>
-                        <a:latin typeface="Cambria Math" panose="02040503050406030204" pitchFamily="18" charset="0"/>
-                      </a:rPr>
-                      <m:t>.</m:t>
-                    </m:r>
-                    <m:r>
-                      <a:rPr lang="it-IT" b="0" i="1" spc="-1" smtClean="0">
-                        <a:solidFill>
-                          <a:srgbClr val="000000"/>
-                        </a:solidFill>
-                        <a:latin typeface="Cambria Math" panose="02040503050406030204" pitchFamily="18" charset="0"/>
-                      </a:rPr>
-                      <m:t>458</m:t>
+                      <m:t>290</m:t>
                     </m:r>
                   </m:oMath>
                 </a14:m>
@@ -19158,7 +19041,7 @@
             <p:spPr>
               <a:xfrm>
                 <a:off x="495000" y="997920"/>
-                <a:ext cx="4069800" cy="5442280"/>
+                <a:ext cx="4069800" cy="4334285"/>
               </a:xfrm>
               <a:prstGeom prst="rect">
                 <a:avLst/>
@@ -19166,7 +19049,7 @@
               <a:blipFill>
                 <a:blip r:embed="rId3"/>
                 <a:stretch>
-                  <a:fillRect l="-1048" b="-1009"/>
+                  <a:fillRect l="-1048" b="-1406"/>
                 </a:stretch>
               </a:blipFill>
               <a:ln>
@@ -19178,7 +19061,7 @@
               <a:lstStyle/>
               <a:p>
                 <a:r>
-                  <a:rPr lang="it-IT">
+                  <a:rPr lang="en-GB">
                     <a:noFill/>
                   </a:rPr>
                   <a:t> </a:t>
@@ -19211,6 +19094,84 @@
           </a:ln>
         </p:spPr>
       </p:pic>
+      <p:sp>
+        <p:nvSpPr>
+          <p:cNvPr id="10" name="CustomShape 3">
+            <a:extLst>
+              <a:ext uri="{FF2B5EF4-FFF2-40B4-BE49-F238E27FC236}">
+                <a16:creationId xmlns:a16="http://schemas.microsoft.com/office/drawing/2014/main" id="{A5107B45-FD6F-4FA1-9126-15178DC3E639}"/>
+              </a:ext>
+            </a:extLst>
+          </p:cNvPr>
+          <p:cNvSpPr/>
+          <p:nvPr/>
+        </p:nvSpPr>
+        <p:spPr>
+          <a:xfrm>
+            <a:off x="6036818" y="1301782"/>
+            <a:ext cx="4069800" cy="456620"/>
+          </a:xfrm>
+          <a:prstGeom prst="rect">
+            <a:avLst/>
+          </a:prstGeom>
+          <a:noFill/>
+          <a:ln>
+            <a:noFill/>
+          </a:ln>
+        </p:spPr>
+        <p:style>
+          <a:lnRef idx="0">
+            <a:scrgbClr r="0" g="0" b="0"/>
+          </a:lnRef>
+          <a:fillRef idx="0">
+            <a:scrgbClr r="0" g="0" b="0"/>
+          </a:fillRef>
+          <a:effectRef idx="0">
+            <a:scrgbClr r="0" g="0" b="0"/>
+          </a:effectRef>
+          <a:fontRef idx="minor"/>
+        </p:style>
+        <p:txBody>
+          <a:bodyPr lIns="90000" tIns="45000" rIns="90000" bIns="45000">
+            <a:spAutoFit/>
+          </a:bodyPr>
+          <a:lstStyle/>
+          <a:p>
+            <a:pPr algn="ctr">
+              <a:lnSpc>
+                <a:spcPct val="150000"/>
+              </a:lnSpc>
+            </a:pPr>
+            <a:r>
+              <a:rPr lang="en-US" spc="-1" dirty="0">
+                <a:latin typeface="Times New Roman" panose="02020603050405020304" pitchFamily="18" charset="0"/>
+                <a:cs typeface="Times New Roman" panose="02020603050405020304" pitchFamily="18" charset="0"/>
+              </a:rPr>
+              <a:t>(C=6, 1/</a:t>
+            </a:r>
+            <a:r>
+              <a:rPr lang="el-GR" spc="-1" dirty="0">
+                <a:latin typeface="Times New Roman" panose="02020603050405020304" pitchFamily="18" charset="0"/>
+                <a:cs typeface="Times New Roman" panose="02020603050405020304" pitchFamily="18" charset="0"/>
+              </a:rPr>
+              <a:t>λ</a:t>
+            </a:r>
+            <a:r>
+              <a:rPr lang="it-IT" spc="-1" dirty="0">
+                <a:latin typeface="Times New Roman" panose="02020603050405020304" pitchFamily="18" charset="0"/>
+                <a:cs typeface="Times New Roman" panose="02020603050405020304" pitchFamily="18" charset="0"/>
+              </a:rPr>
+              <a:t> = 35ms)</a:t>
+            </a:r>
+            <a:endParaRPr lang="it-IT" spc="-1" dirty="0">
+              <a:solidFill>
+                <a:srgbClr val="404040"/>
+              </a:solidFill>
+              <a:latin typeface="Times New Roman"/>
+            </a:endParaRPr>
+          </a:p>
+        </p:txBody>
+      </p:sp>
     </p:spTree>
   </p:cSld>
   <p:clrMapOvr>
@@ -19350,8 +19311,8 @@
           </a:p>
         </p:txBody>
       </p:sp>
-      <mc:AlternateContent xmlns:mc="http://schemas.openxmlformats.org/markup-compatibility/2006">
-        <mc:Choice xmlns:a14="http://schemas.microsoft.com/office/drawing/2010/main" Requires="a14">
+      <mc:AlternateContent xmlns:mc="http://schemas.openxmlformats.org/markup-compatibility/2006" xmlns:a14="http://schemas.microsoft.com/office/drawing/2010/main">
+        <mc:Choice Requires="a14">
           <p:sp>
             <p:nvSpPr>
               <p:cNvPr id="106" name="CustomShape 3"/>
@@ -20072,7 +20033,7 @@
             </p:txBody>
           </p:sp>
         </mc:Choice>
-        <mc:Fallback>
+        <mc:Fallback xmlns="">
           <p:sp>
             <p:nvSpPr>
               <p:cNvPr id="106" name="CustomShape 3"/>
@@ -20428,8 +20389,8 @@
           </a:p>
         </p:txBody>
       </p:sp>
-      <mc:AlternateContent xmlns:mc="http://schemas.openxmlformats.org/markup-compatibility/2006">
-        <mc:Choice xmlns:a14="http://schemas.microsoft.com/office/drawing/2010/main" Requires="a14">
+      <mc:AlternateContent xmlns:mc="http://schemas.openxmlformats.org/markup-compatibility/2006" xmlns:a14="http://schemas.microsoft.com/office/drawing/2010/main">
+        <mc:Choice Requires="a14">
           <p:sp>
             <p:nvSpPr>
               <p:cNvPr id="121" name="CustomShape 3"/>
@@ -20927,7 +20888,7 @@
             </p:txBody>
           </p:sp>
         </mc:Choice>
-        <mc:Fallback>
+        <mc:Fallback xmlns="">
           <p:sp>
             <p:nvSpPr>
               <p:cNvPr id="121" name="CustomShape 3"/>
